--- a/Assignment3_DSA_Belavina.pptx
+++ b/Assignment3_DSA_Belavina.pptx
@@ -20,8 +20,13 @@
     <p:sldId id="276" r:id="rId14"/>
     <p:sldId id="277" r:id="rId15"/>
     <p:sldId id="278" r:id="rId16"/>
-    <p:sldId id="281" r:id="rId17"/>
-    <p:sldId id="282" r:id="rId18"/>
+    <p:sldId id="283" r:id="rId17"/>
+    <p:sldId id="284" r:id="rId18"/>
+    <p:sldId id="285" r:id="rId19"/>
+    <p:sldId id="286" r:id="rId20"/>
+    <p:sldId id="287" r:id="rId21"/>
+    <p:sldId id="281" r:id="rId22"/>
+    <p:sldId id="282" r:id="rId23"/>
   </p:sldIdLst>
   <p:sldSz cx="12192000" cy="6858000"/>
   <p:notesSz cx="6858000" cy="9144000"/>
@@ -3190,14 +3195,6 @@
               </a:rPr>
               <a:t>Initialize all distances as infinity </a:t>
             </a:r>
-            <a:endParaRPr lang="en-US" dirty="0">
-              <a:solidFill>
-                <a:schemeClr val="tx1">
-                  <a:lumMod val="50000"/>
-                  <a:lumOff val="50000"/>
-                </a:schemeClr>
-              </a:solidFill>
-            </a:endParaRPr>
           </a:p>
         </p:txBody>
       </p:sp>
@@ -3329,14 +3326,6 @@
               </a:rPr>
               <a:t>Initialize source node with 0</a:t>
             </a:r>
-            <a:endParaRPr lang="en-US" dirty="0">
-              <a:solidFill>
-                <a:schemeClr val="tx1">
-                  <a:lumMod val="50000"/>
-                  <a:lumOff val="50000"/>
-                </a:schemeClr>
-              </a:solidFill>
-            </a:endParaRPr>
           </a:p>
         </p:txBody>
       </p:sp>
@@ -3444,7 +3433,6 @@
               <a:rPr lang="en-US" dirty="0"/>
               <a:t>C++ Code Sample – Step 2</a:t>
             </a:r>
-            <a:endParaRPr lang="en-US" dirty="0"/>
           </a:p>
         </p:txBody>
       </p:sp>
@@ -3602,14 +3590,6 @@
               </a:rPr>
               <a:t>-  Mark it as visited vertex</a:t>
             </a:r>
-            <a:endParaRPr lang="en-US" dirty="0">
-              <a:solidFill>
-                <a:schemeClr val="tx1">
-                  <a:lumMod val="50000"/>
-                  <a:lumOff val="50000"/>
-                </a:schemeClr>
-              </a:solidFill>
-            </a:endParaRPr>
           </a:p>
         </p:txBody>
       </p:sp>
@@ -3723,7 +3703,6 @@
               <a:rPr lang="en-US" dirty="0"/>
               <a:t>C++ Code Sample – Step 2</a:t>
             </a:r>
-            <a:endParaRPr lang="en-US" dirty="0"/>
           </a:p>
         </p:txBody>
       </p:sp>
@@ -3881,14 +3860,6 @@
               </a:rPr>
               <a:t>-  Mark it as visited vertex</a:t>
             </a:r>
-            <a:endParaRPr lang="en-US" dirty="0">
-              <a:solidFill>
-                <a:schemeClr val="tx1">
-                  <a:lumMod val="50000"/>
-                  <a:lumOff val="50000"/>
-                </a:schemeClr>
-              </a:solidFill>
-            </a:endParaRPr>
           </a:p>
         </p:txBody>
       </p:sp>
@@ -4026,7 +3997,6 @@
               <a:rPr lang="en-US" dirty="0"/>
               <a:t>C++ Code Sample – Step 2</a:t>
             </a:r>
-            <a:endParaRPr lang="en-US" dirty="0"/>
           </a:p>
         </p:txBody>
       </p:sp>
@@ -4184,14 +4154,6 @@
               </a:rPr>
               <a:t>-  Mark it as visited vertex</a:t>
             </a:r>
-            <a:endParaRPr lang="en-US" dirty="0">
-              <a:solidFill>
-                <a:schemeClr val="tx1">
-                  <a:lumMod val="50000"/>
-                  <a:lumOff val="50000"/>
-                </a:schemeClr>
-              </a:solidFill>
-            </a:endParaRPr>
           </a:p>
         </p:txBody>
       </p:sp>
@@ -4368,7 +4330,6 @@
               <a:rPr lang="en-US" dirty="0"/>
               <a:t>C++ Code Sample – Step 3</a:t>
             </a:r>
-            <a:endParaRPr lang="en-US" dirty="0"/>
           </a:p>
         </p:txBody>
       </p:sp>
@@ -4920,7 +4881,6 @@
               <a:rPr lang="en-US" dirty="0"/>
               <a:t>C++ Code Sample – Step 3</a:t>
             </a:r>
-            <a:endParaRPr lang="en-US" dirty="0"/>
           </a:p>
         </p:txBody>
       </p:sp>
@@ -5117,18 +5077,7 @@
                   </a:schemeClr>
                 </a:solidFill>
               </a:rPr>
-              <a:t>     </a:t>
-            </a:r>
-            <a:r>
-              <a:rPr lang="en-US" sz="1600" dirty="0" smtClean="0">
-                <a:solidFill>
-                  <a:schemeClr val="tx1">
-                    <a:lumMod val="50000"/>
-                    <a:lumOff val="50000"/>
-                  </a:schemeClr>
-                </a:solidFill>
-              </a:rPr>
-              <a:t>- node is connected to another node (there is an edge from u to v )</a:t>
+              <a:t>     - node is connected to another node (there is an edge from u to v )</a:t>
             </a:r>
           </a:p>
           <a:p>
@@ -5472,7 +5421,7 @@
       </p:grpSpPr>
       <p:pic>
         <p:nvPicPr>
-          <p:cNvPr id="3" name="Picture 2"/>
+          <p:cNvPr id="4" name="Picture 3"/>
           <p:cNvPicPr>
             <a:picLocks noChangeAspect="1"/>
           </p:cNvPicPr>
@@ -5486,30 +5435,6 @@
         </p:blipFill>
         <p:spPr>
           <a:xfrm>
-            <a:off x="6642418" y="1942105"/>
-            <a:ext cx="4391638" cy="2457793"/>
-          </a:xfrm>
-          <a:prstGeom prst="rect">
-            <a:avLst/>
-          </a:prstGeom>
-        </p:spPr>
-      </p:pic>
-      <p:pic>
-        <p:nvPicPr>
-          <p:cNvPr id="4" name="Picture 3"/>
-          <p:cNvPicPr>
-            <a:picLocks noChangeAspect="1"/>
-          </p:cNvPicPr>
-          <p:nvPr/>
-        </p:nvPicPr>
-        <p:blipFill>
-          <a:blip r:embed="rId3"/>
-          <a:stretch>
-            <a:fillRect/>
-          </a:stretch>
-        </p:blipFill>
-        <p:spPr>
-          <a:xfrm>
             <a:off x="945212" y="1678496"/>
             <a:ext cx="5377463" cy="4283392"/>
           </a:xfrm>
@@ -5535,53 +5460,11 @@
           <a:p>
             <a:r>
               <a:rPr lang="en-US" dirty="0"/>
-              <a:t>C++ Code Sample – </a:t>
-            </a:r>
-            <a:r>
-              <a:rPr lang="en-US" dirty="0" smtClean="0"/>
-              <a:t>Go Back to Step </a:t>
-            </a:r>
-            <a:r>
-              <a:rPr lang="en-US" dirty="0"/>
-              <a:t>2</a:t>
-            </a:r>
-            <a:endParaRPr lang="en-US" dirty="0"/>
-          </a:p>
-        </p:txBody>
-      </p:sp>
-      <p:cxnSp>
-        <p:nvCxnSpPr>
-          <p:cNvPr id="15" name="Straight Arrow Connector 14"/>
-          <p:cNvCxnSpPr/>
-          <p:nvPr/>
-        </p:nvCxnSpPr>
-        <p:spPr>
-          <a:xfrm>
-            <a:off x="451339" y="4459646"/>
-            <a:ext cx="644769" cy="0"/>
-          </a:xfrm>
-          <a:prstGeom prst="straightConnector1">
-            <a:avLst/>
-          </a:prstGeom>
-          <a:ln>
-            <a:tailEnd type="triangle"/>
-          </a:ln>
-        </p:spPr>
-        <p:style>
-          <a:lnRef idx="1">
-            <a:schemeClr val="accent1"/>
-          </a:lnRef>
-          <a:fillRef idx="0">
-            <a:schemeClr val="accent1"/>
-          </a:fillRef>
-          <a:effectRef idx="0">
-            <a:schemeClr val="accent1"/>
-          </a:effectRef>
-          <a:fontRef idx="minor">
-            <a:schemeClr val="tx1"/>
-          </a:fontRef>
-        </p:style>
-      </p:cxnSp>
+              <a:t>C++ Code Sample – Step 3</a:t>
+            </a:r>
+          </a:p>
+        </p:txBody>
+      </p:sp>
       <p:cxnSp>
         <p:nvCxnSpPr>
           <p:cNvPr id="18" name="Straight Connector 17"/>
@@ -5596,6 +5479,14 @@
           <a:prstGeom prst="line">
             <a:avLst/>
           </a:prstGeom>
+          <a:ln>
+            <a:solidFill>
+              <a:schemeClr val="accent1">
+                <a:lumMod val="20000"/>
+                <a:lumOff val="80000"/>
+              </a:schemeClr>
+            </a:solidFill>
+          </a:ln>
         </p:spPr>
         <p:style>
           <a:lnRef idx="1">
@@ -5620,8 +5511,8 @@
         </p:nvCxnSpPr>
         <p:spPr>
           <a:xfrm flipH="1">
-            <a:off x="4846085" y="3816276"/>
-            <a:ext cx="1659841" cy="10861"/>
+            <a:off x="4126239" y="4106066"/>
+            <a:ext cx="1570098" cy="184666"/>
           </a:xfrm>
           <a:prstGeom prst="straightConnector1">
             <a:avLst/>
@@ -5647,13 +5538,401 @@
       </p:cxnSp>
       <p:sp>
         <p:nvSpPr>
-          <p:cNvPr id="10" name="Oval 9"/>
+          <p:cNvPr id="12" name="Rectangle 11"/>
           <p:cNvSpPr/>
           <p:nvPr/>
         </p:nvSpPr>
         <p:spPr>
           <a:xfrm>
-            <a:off x="6901318" y="2974718"/>
+            <a:off x="5923755" y="4279871"/>
+            <a:ext cx="6107791" cy="1661993"/>
+          </a:xfrm>
+          <a:prstGeom prst="rect">
+            <a:avLst/>
+          </a:prstGeom>
+        </p:spPr>
+        <p:txBody>
+          <a:bodyPr wrap="square">
+            <a:spAutoFit/>
+          </a:bodyPr>
+          <a:lstStyle/>
+          <a:p>
+            <a:r>
+              <a:rPr lang="en-US" b="1" dirty="0">
+                <a:solidFill>
+                  <a:schemeClr val="tx1">
+                    <a:lumMod val="50000"/>
+                    <a:lumOff val="50000"/>
+                  </a:schemeClr>
+                </a:solidFill>
+              </a:rPr>
+              <a:t> </a:t>
+            </a:r>
+            <a:r>
+              <a:rPr lang="en-US" b="1" dirty="0" smtClean="0">
+                <a:solidFill>
+                  <a:schemeClr val="tx1">
+                    <a:lumMod val="50000"/>
+                    <a:lumOff val="50000"/>
+                  </a:schemeClr>
+                </a:solidFill>
+              </a:rPr>
+              <a:t>if</a:t>
+            </a:r>
+          </a:p>
+          <a:p>
+            <a:r>
+              <a:rPr lang="en-US" b="1" dirty="0" smtClean="0">
+                <a:solidFill>
+                  <a:schemeClr val="tx1">
+                    <a:lumMod val="50000"/>
+                    <a:lumOff val="50000"/>
+                  </a:schemeClr>
+                </a:solidFill>
+              </a:rPr>
+              <a:t>    </a:t>
+            </a:r>
+            <a:r>
+              <a:rPr lang="en-US" sz="1600" dirty="0" smtClean="0">
+                <a:solidFill>
+                  <a:schemeClr val="tx1">
+                    <a:lumMod val="50000"/>
+                    <a:lumOff val="50000"/>
+                  </a:schemeClr>
+                </a:solidFill>
+              </a:rPr>
+              <a:t>-</a:t>
+            </a:r>
+            <a:r>
+              <a:rPr lang="en-US" sz="1600" b="1" dirty="0" smtClean="0">
+                <a:solidFill>
+                  <a:schemeClr val="tx1">
+                    <a:lumMod val="50000"/>
+                    <a:lumOff val="50000"/>
+                  </a:schemeClr>
+                </a:solidFill>
+              </a:rPr>
+              <a:t> </a:t>
+            </a:r>
+            <a:r>
+              <a:rPr lang="en-US" sz="1600" dirty="0">
+                <a:solidFill>
+                  <a:schemeClr val="tx1">
+                    <a:lumMod val="50000"/>
+                    <a:lumOff val="50000"/>
+                  </a:schemeClr>
+                </a:solidFill>
+              </a:rPr>
+              <a:t>node</a:t>
+            </a:r>
+            <a:r>
+              <a:rPr lang="en-US" sz="1600" b="1" dirty="0">
+                <a:solidFill>
+                  <a:schemeClr val="tx1">
+                    <a:lumMod val="50000"/>
+                    <a:lumOff val="50000"/>
+                  </a:schemeClr>
+                </a:solidFill>
+              </a:rPr>
+              <a:t> </a:t>
+            </a:r>
+            <a:r>
+              <a:rPr lang="en-US" sz="1600" dirty="0">
+                <a:solidFill>
+                  <a:schemeClr val="tx1">
+                    <a:lumMod val="50000"/>
+                    <a:lumOff val="50000"/>
+                  </a:schemeClr>
+                </a:solidFill>
+              </a:rPr>
+              <a:t>is not yet visited</a:t>
+            </a:r>
+          </a:p>
+          <a:p>
+            <a:r>
+              <a:rPr lang="en-US" sz="1600" dirty="0" smtClean="0">
+                <a:solidFill>
+                  <a:schemeClr val="tx1">
+                    <a:lumMod val="50000"/>
+                    <a:lumOff val="50000"/>
+                  </a:schemeClr>
+                </a:solidFill>
+              </a:rPr>
+              <a:t>     - node is connected to another node (there is an edge from u to v )</a:t>
+            </a:r>
+          </a:p>
+          <a:p>
+            <a:r>
+              <a:rPr lang="en-US" sz="1600" dirty="0">
+                <a:solidFill>
+                  <a:schemeClr val="tx1">
+                    <a:lumMod val="50000"/>
+                    <a:lumOff val="50000"/>
+                  </a:schemeClr>
+                </a:solidFill>
+              </a:rPr>
+              <a:t> </a:t>
+            </a:r>
+            <a:r>
+              <a:rPr lang="en-US" sz="1600" dirty="0" smtClean="0">
+                <a:solidFill>
+                  <a:schemeClr val="tx1">
+                    <a:lumMod val="50000"/>
+                    <a:lumOff val="50000"/>
+                  </a:schemeClr>
+                </a:solidFill>
+              </a:rPr>
+              <a:t>    - the total weight of path from </a:t>
+            </a:r>
+            <a:r>
+              <a:rPr lang="en-US" sz="1600" dirty="0" err="1" smtClean="0">
+                <a:solidFill>
+                  <a:schemeClr val="tx1">
+                    <a:lumMod val="50000"/>
+                    <a:lumOff val="50000"/>
+                  </a:schemeClr>
+                </a:solidFill>
+              </a:rPr>
+              <a:t>src</a:t>
+            </a:r>
+            <a:r>
+              <a:rPr lang="en-US" sz="1600" dirty="0" smtClean="0">
+                <a:solidFill>
+                  <a:schemeClr val="tx1">
+                    <a:lumMod val="50000"/>
+                    <a:lumOff val="50000"/>
+                  </a:schemeClr>
+                </a:solidFill>
+              </a:rPr>
+              <a:t> to v through u is smaller that     </a:t>
+            </a:r>
+          </a:p>
+          <a:p>
+            <a:r>
+              <a:rPr lang="en-US" sz="1600" dirty="0">
+                <a:solidFill>
+                  <a:schemeClr val="tx1">
+                    <a:lumMod val="50000"/>
+                    <a:lumOff val="50000"/>
+                  </a:schemeClr>
+                </a:solidFill>
+              </a:rPr>
+              <a:t> </a:t>
+            </a:r>
+            <a:r>
+              <a:rPr lang="en-US" sz="1600" dirty="0" smtClean="0">
+                <a:solidFill>
+                  <a:schemeClr val="tx1">
+                    <a:lumMod val="50000"/>
+                    <a:lumOff val="50000"/>
+                  </a:schemeClr>
+                </a:solidFill>
+              </a:rPr>
+              <a:t>      current value of </a:t>
+            </a:r>
+            <a:r>
+              <a:rPr lang="en-US" sz="1600" dirty="0" err="1" smtClean="0">
+                <a:solidFill>
+                  <a:schemeClr val="tx1">
+                    <a:lumMod val="50000"/>
+                    <a:lumOff val="50000"/>
+                  </a:schemeClr>
+                </a:solidFill>
+              </a:rPr>
+              <a:t>dist</a:t>
+            </a:r>
+            <a:r>
+              <a:rPr lang="en-US" sz="1600" dirty="0" smtClean="0">
+                <a:solidFill>
+                  <a:schemeClr val="tx1">
+                    <a:lumMod val="50000"/>
+                    <a:lumOff val="50000"/>
+                  </a:schemeClr>
+                </a:solidFill>
+              </a:rPr>
+              <a:t>[v]</a:t>
+            </a:r>
+          </a:p>
+          <a:p>
+            <a:r>
+              <a:rPr lang="en-US" dirty="0">
+                <a:solidFill>
+                  <a:schemeClr val="tx1">
+                    <a:lumMod val="50000"/>
+                    <a:lumOff val="50000"/>
+                  </a:schemeClr>
+                </a:solidFill>
+              </a:rPr>
+              <a:t> </a:t>
+            </a:r>
+            <a:r>
+              <a:rPr lang="en-US" dirty="0" smtClean="0">
+                <a:solidFill>
+                  <a:schemeClr val="tx1">
+                    <a:lumMod val="50000"/>
+                    <a:lumOff val="50000"/>
+                  </a:schemeClr>
+                </a:solidFill>
+              </a:rPr>
+              <a:t>    </a:t>
+            </a:r>
+            <a:endParaRPr lang="en-US" dirty="0"/>
+          </a:p>
+        </p:txBody>
+      </p:sp>
+      <p:sp>
+        <p:nvSpPr>
+          <p:cNvPr id="5" name="Rectangle 4"/>
+          <p:cNvSpPr/>
+          <p:nvPr/>
+        </p:nvSpPr>
+        <p:spPr>
+          <a:xfrm>
+            <a:off x="5696337" y="3921400"/>
+            <a:ext cx="5980676" cy="369332"/>
+          </a:xfrm>
+          <a:prstGeom prst="rect">
+            <a:avLst/>
+          </a:prstGeom>
+        </p:spPr>
+        <p:txBody>
+          <a:bodyPr wrap="none">
+            <a:spAutoFit/>
+          </a:bodyPr>
+          <a:lstStyle/>
+          <a:p>
+            <a:r>
+              <a:rPr lang="en-US" dirty="0">
+                <a:solidFill>
+                  <a:schemeClr val="tx1">
+                    <a:lumMod val="50000"/>
+                    <a:lumOff val="50000"/>
+                  </a:schemeClr>
+                </a:solidFill>
+              </a:rPr>
+              <a:t>In this loop, we need to update </a:t>
+            </a:r>
+            <a:r>
+              <a:rPr lang="en-US" b="1" dirty="0" err="1">
+                <a:solidFill>
+                  <a:schemeClr val="tx1">
+                    <a:lumMod val="50000"/>
+                    <a:lumOff val="50000"/>
+                  </a:schemeClr>
+                </a:solidFill>
+              </a:rPr>
+              <a:t>dist</a:t>
+            </a:r>
+            <a:r>
+              <a:rPr lang="en-US" dirty="0">
+                <a:solidFill>
+                  <a:schemeClr val="tx1">
+                    <a:lumMod val="50000"/>
+                    <a:lumOff val="50000"/>
+                  </a:schemeClr>
+                </a:solidFill>
+              </a:rPr>
+              <a:t> ( array of shortest paths ) </a:t>
+            </a:r>
+          </a:p>
+        </p:txBody>
+      </p:sp>
+      <p:cxnSp>
+        <p:nvCxnSpPr>
+          <p:cNvPr id="17" name="Straight Connector 16"/>
+          <p:cNvCxnSpPr/>
+          <p:nvPr/>
+        </p:nvCxnSpPr>
+        <p:spPr>
+          <a:xfrm>
+            <a:off x="1562162" y="4279871"/>
+            <a:ext cx="0" cy="1096801"/>
+          </a:xfrm>
+          <a:prstGeom prst="line">
+            <a:avLst/>
+          </a:prstGeom>
+        </p:spPr>
+        <p:style>
+          <a:lnRef idx="1">
+            <a:schemeClr val="accent1"/>
+          </a:lnRef>
+          <a:fillRef idx="0">
+            <a:schemeClr val="accent1"/>
+          </a:fillRef>
+          <a:effectRef idx="0">
+            <a:schemeClr val="accent1"/>
+          </a:effectRef>
+          <a:fontRef idx="minor">
+            <a:schemeClr val="tx1"/>
+          </a:fontRef>
+        </p:style>
+      </p:cxnSp>
+      <p:cxnSp>
+        <p:nvCxnSpPr>
+          <p:cNvPr id="15" name="Straight Arrow Connector 14"/>
+          <p:cNvCxnSpPr/>
+          <p:nvPr/>
+        </p:nvCxnSpPr>
+        <p:spPr>
+          <a:xfrm>
+            <a:off x="451339" y="4459646"/>
+            <a:ext cx="1036993" cy="0"/>
+          </a:xfrm>
+          <a:prstGeom prst="straightConnector1">
+            <a:avLst/>
+          </a:prstGeom>
+          <a:ln>
+            <a:tailEnd type="triangle"/>
+          </a:ln>
+        </p:spPr>
+        <p:style>
+          <a:lnRef idx="1">
+            <a:schemeClr val="accent1"/>
+          </a:lnRef>
+          <a:fillRef idx="0">
+            <a:schemeClr val="accent1"/>
+          </a:fillRef>
+          <a:effectRef idx="0">
+            <a:schemeClr val="accent1"/>
+          </a:effectRef>
+          <a:fontRef idx="minor">
+            <a:schemeClr val="tx1"/>
+          </a:fontRef>
+        </p:style>
+      </p:cxnSp>
+      <p:pic>
+        <p:nvPicPr>
+          <p:cNvPr id="10" name="Picture 9"/>
+          <p:cNvPicPr>
+            <a:picLocks noChangeAspect="1"/>
+          </p:cNvPicPr>
+          <p:nvPr/>
+        </p:nvPicPr>
+        <p:blipFill>
+          <a:blip r:embed="rId3"/>
+          <a:stretch>
+            <a:fillRect/>
+          </a:stretch>
+        </p:blipFill>
+        <p:spPr>
+          <a:xfrm>
+            <a:off x="6108580" y="1374972"/>
+            <a:ext cx="4058216" cy="2248214"/>
+          </a:xfrm>
+          <a:prstGeom prst="rect">
+            <a:avLst/>
+          </a:prstGeom>
+        </p:spPr>
+      </p:pic>
+      <p:sp>
+        <p:nvSpPr>
+          <p:cNvPr id="11" name="Oval 10"/>
+          <p:cNvSpPr/>
+          <p:nvPr/>
+        </p:nvSpPr>
+        <p:spPr>
+          <a:xfrm>
+            <a:off x="6226059" y="2298017"/>
             <a:ext cx="603227" cy="548640"/>
           </a:xfrm>
           <a:prstGeom prst="ellipse">
@@ -5692,13 +5971,18 @@
         </p:nvSpPr>
         <p:spPr>
           <a:xfrm>
-            <a:off x="7598467" y="2312294"/>
+            <a:off x="6933630" y="1608495"/>
             <a:ext cx="603227" cy="548640"/>
           </a:xfrm>
           <a:prstGeom prst="ellipse">
             <a:avLst/>
           </a:prstGeom>
           <a:noFill/>
+          <a:ln>
+            <a:solidFill>
+              <a:schemeClr val="accent4"/>
+            </a:solidFill>
+          </a:ln>
         </p:spPr>
         <p:style>
           <a:lnRef idx="2">
@@ -5726,7 +6010,7 @@
     </p:spTree>
     <p:extLst>
       <p:ext uri="{BB962C8B-B14F-4D97-AF65-F5344CB8AC3E}">
-        <p14:creationId xmlns:p14="http://schemas.microsoft.com/office/powerpoint/2010/main" val="2074587072"/>
+        <p14:creationId xmlns:p14="http://schemas.microsoft.com/office/powerpoint/2010/main" val="1288876140"/>
       </p:ext>
     </p:extLst>
   </p:cSld>
@@ -5760,6 +6044,30 @@
           <a:chExt cx="0" cy="0"/>
         </a:xfrm>
       </p:grpSpPr>
+      <p:pic>
+        <p:nvPicPr>
+          <p:cNvPr id="4" name="Picture 3"/>
+          <p:cNvPicPr>
+            <a:picLocks noChangeAspect="1"/>
+          </p:cNvPicPr>
+          <p:nvPr/>
+        </p:nvPicPr>
+        <p:blipFill>
+          <a:blip r:embed="rId2"/>
+          <a:stretch>
+            <a:fillRect/>
+          </a:stretch>
+        </p:blipFill>
+        <p:spPr>
+          <a:xfrm>
+            <a:off x="945212" y="1678496"/>
+            <a:ext cx="5377463" cy="4283392"/>
+          </a:xfrm>
+          <a:prstGeom prst="rect">
+            <a:avLst/>
+          </a:prstGeom>
+        </p:spPr>
+      </p:pic>
       <p:sp>
         <p:nvSpPr>
           <p:cNvPr id="2" name="Title 1"/>
@@ -5777,19 +6085,703 @@
           <a:p>
             <a:r>
               <a:rPr lang="en-US" dirty="0"/>
-              <a:t>C++ Code Sample – </a:t>
-            </a:r>
-            <a:r>
-              <a:rPr lang="en-US" dirty="0" smtClean="0"/>
-              <a:t>Step 4 Print Solution</a:t>
+              <a:t>C++ Code Sample – Step 3</a:t>
+            </a:r>
+          </a:p>
+        </p:txBody>
+      </p:sp>
+      <p:cxnSp>
+        <p:nvCxnSpPr>
+          <p:cNvPr id="18" name="Straight Connector 17"/>
+          <p:cNvCxnSpPr/>
+          <p:nvPr/>
+        </p:nvCxnSpPr>
+        <p:spPr>
+          <a:xfrm>
+            <a:off x="1195754" y="3423125"/>
+            <a:ext cx="0" cy="1953547"/>
+          </a:xfrm>
+          <a:prstGeom prst="line">
+            <a:avLst/>
+          </a:prstGeom>
+          <a:ln>
+            <a:solidFill>
+              <a:schemeClr val="accent1">
+                <a:lumMod val="20000"/>
+                <a:lumOff val="80000"/>
+              </a:schemeClr>
+            </a:solidFill>
+          </a:ln>
+        </p:spPr>
+        <p:style>
+          <a:lnRef idx="1">
+            <a:schemeClr val="accent1"/>
+          </a:lnRef>
+          <a:fillRef idx="0">
+            <a:schemeClr val="accent1"/>
+          </a:fillRef>
+          <a:effectRef idx="0">
+            <a:schemeClr val="accent1"/>
+          </a:effectRef>
+          <a:fontRef idx="minor">
+            <a:schemeClr val="tx1"/>
+          </a:fontRef>
+        </p:style>
+      </p:cxnSp>
+      <p:cxnSp>
+        <p:nvCxnSpPr>
+          <p:cNvPr id="21" name="Straight Arrow Connector 20"/>
+          <p:cNvCxnSpPr/>
+          <p:nvPr/>
+        </p:nvCxnSpPr>
+        <p:spPr>
+          <a:xfrm flipH="1">
+            <a:off x="4126239" y="4106066"/>
+            <a:ext cx="1570098" cy="184666"/>
+          </a:xfrm>
+          <a:prstGeom prst="straightConnector1">
+            <a:avLst/>
+          </a:prstGeom>
+          <a:ln>
+            <a:tailEnd type="triangle"/>
+          </a:ln>
+        </p:spPr>
+        <p:style>
+          <a:lnRef idx="1">
+            <a:schemeClr val="accent1"/>
+          </a:lnRef>
+          <a:fillRef idx="0">
+            <a:schemeClr val="accent1"/>
+          </a:fillRef>
+          <a:effectRef idx="0">
+            <a:schemeClr val="accent1"/>
+          </a:effectRef>
+          <a:fontRef idx="minor">
+            <a:schemeClr val="tx1"/>
+          </a:fontRef>
+        </p:style>
+      </p:cxnSp>
+      <p:sp>
+        <p:nvSpPr>
+          <p:cNvPr id="12" name="Rectangle 11"/>
+          <p:cNvSpPr/>
+          <p:nvPr/>
+        </p:nvSpPr>
+        <p:spPr>
+          <a:xfrm>
+            <a:off x="5923755" y="4279871"/>
+            <a:ext cx="6107791" cy="1661993"/>
+          </a:xfrm>
+          <a:prstGeom prst="rect">
+            <a:avLst/>
+          </a:prstGeom>
+        </p:spPr>
+        <p:txBody>
+          <a:bodyPr wrap="square">
+            <a:spAutoFit/>
+          </a:bodyPr>
+          <a:lstStyle/>
+          <a:p>
+            <a:r>
+              <a:rPr lang="en-US" b="1" dirty="0">
+                <a:solidFill>
+                  <a:schemeClr val="tx1">
+                    <a:lumMod val="50000"/>
+                    <a:lumOff val="50000"/>
+                  </a:schemeClr>
+                </a:solidFill>
+              </a:rPr>
+              <a:t> </a:t>
+            </a:r>
+            <a:r>
+              <a:rPr lang="en-US" b="1" dirty="0" smtClean="0">
+                <a:solidFill>
+                  <a:schemeClr val="tx1">
+                    <a:lumMod val="50000"/>
+                    <a:lumOff val="50000"/>
+                  </a:schemeClr>
+                </a:solidFill>
+              </a:rPr>
+              <a:t>if</a:t>
+            </a:r>
+          </a:p>
+          <a:p>
+            <a:r>
+              <a:rPr lang="en-US" b="1" dirty="0" smtClean="0">
+                <a:solidFill>
+                  <a:schemeClr val="tx1">
+                    <a:lumMod val="50000"/>
+                    <a:lumOff val="50000"/>
+                  </a:schemeClr>
+                </a:solidFill>
+              </a:rPr>
+              <a:t>    </a:t>
+            </a:r>
+            <a:r>
+              <a:rPr lang="en-US" sz="1600" dirty="0" smtClean="0">
+                <a:solidFill>
+                  <a:schemeClr val="tx1">
+                    <a:lumMod val="50000"/>
+                    <a:lumOff val="50000"/>
+                  </a:schemeClr>
+                </a:solidFill>
+              </a:rPr>
+              <a:t>-</a:t>
+            </a:r>
+            <a:r>
+              <a:rPr lang="en-US" sz="1600" b="1" dirty="0" smtClean="0">
+                <a:solidFill>
+                  <a:schemeClr val="tx1">
+                    <a:lumMod val="50000"/>
+                    <a:lumOff val="50000"/>
+                  </a:schemeClr>
+                </a:solidFill>
+              </a:rPr>
+              <a:t> </a:t>
+            </a:r>
+            <a:r>
+              <a:rPr lang="en-US" sz="1600" dirty="0">
+                <a:solidFill>
+                  <a:schemeClr val="tx1">
+                    <a:lumMod val="50000"/>
+                    <a:lumOff val="50000"/>
+                  </a:schemeClr>
+                </a:solidFill>
+              </a:rPr>
+              <a:t>node</a:t>
+            </a:r>
+            <a:r>
+              <a:rPr lang="en-US" sz="1600" b="1" dirty="0">
+                <a:solidFill>
+                  <a:schemeClr val="tx1">
+                    <a:lumMod val="50000"/>
+                    <a:lumOff val="50000"/>
+                  </a:schemeClr>
+                </a:solidFill>
+              </a:rPr>
+              <a:t> </a:t>
+            </a:r>
+            <a:r>
+              <a:rPr lang="en-US" sz="1600" dirty="0">
+                <a:solidFill>
+                  <a:schemeClr val="tx1">
+                    <a:lumMod val="50000"/>
+                    <a:lumOff val="50000"/>
+                  </a:schemeClr>
+                </a:solidFill>
+              </a:rPr>
+              <a:t>is not yet visited</a:t>
+            </a:r>
+          </a:p>
+          <a:p>
+            <a:r>
+              <a:rPr lang="en-US" sz="1600" dirty="0" smtClean="0">
+                <a:solidFill>
+                  <a:schemeClr val="tx1">
+                    <a:lumMod val="50000"/>
+                    <a:lumOff val="50000"/>
+                  </a:schemeClr>
+                </a:solidFill>
+              </a:rPr>
+              <a:t>     - node is connected to another node (there is an edge from u to v )</a:t>
+            </a:r>
+          </a:p>
+          <a:p>
+            <a:r>
+              <a:rPr lang="en-US" sz="1600" dirty="0">
+                <a:solidFill>
+                  <a:schemeClr val="tx1">
+                    <a:lumMod val="50000"/>
+                    <a:lumOff val="50000"/>
+                  </a:schemeClr>
+                </a:solidFill>
+              </a:rPr>
+              <a:t> </a:t>
+            </a:r>
+            <a:r>
+              <a:rPr lang="en-US" sz="1600" dirty="0" smtClean="0">
+                <a:solidFill>
+                  <a:schemeClr val="tx1">
+                    <a:lumMod val="50000"/>
+                    <a:lumOff val="50000"/>
+                  </a:schemeClr>
+                </a:solidFill>
+              </a:rPr>
+              <a:t>    - the total weight of path from </a:t>
+            </a:r>
+            <a:r>
+              <a:rPr lang="en-US" sz="1600" dirty="0" err="1" smtClean="0">
+                <a:solidFill>
+                  <a:schemeClr val="tx1">
+                    <a:lumMod val="50000"/>
+                    <a:lumOff val="50000"/>
+                  </a:schemeClr>
+                </a:solidFill>
+              </a:rPr>
+              <a:t>src</a:t>
+            </a:r>
+            <a:r>
+              <a:rPr lang="en-US" sz="1600" dirty="0" smtClean="0">
+                <a:solidFill>
+                  <a:schemeClr val="tx1">
+                    <a:lumMod val="50000"/>
+                    <a:lumOff val="50000"/>
+                  </a:schemeClr>
+                </a:solidFill>
+              </a:rPr>
+              <a:t> to v through u is smaller that     </a:t>
+            </a:r>
+          </a:p>
+          <a:p>
+            <a:r>
+              <a:rPr lang="en-US" sz="1600" dirty="0">
+                <a:solidFill>
+                  <a:schemeClr val="tx1">
+                    <a:lumMod val="50000"/>
+                    <a:lumOff val="50000"/>
+                  </a:schemeClr>
+                </a:solidFill>
+              </a:rPr>
+              <a:t> </a:t>
+            </a:r>
+            <a:r>
+              <a:rPr lang="en-US" sz="1600" dirty="0" smtClean="0">
+                <a:solidFill>
+                  <a:schemeClr val="tx1">
+                    <a:lumMod val="50000"/>
+                    <a:lumOff val="50000"/>
+                  </a:schemeClr>
+                </a:solidFill>
+              </a:rPr>
+              <a:t>      current value of </a:t>
+            </a:r>
+            <a:r>
+              <a:rPr lang="en-US" sz="1600" dirty="0" err="1" smtClean="0">
+                <a:solidFill>
+                  <a:schemeClr val="tx1">
+                    <a:lumMod val="50000"/>
+                    <a:lumOff val="50000"/>
+                  </a:schemeClr>
+                </a:solidFill>
+              </a:rPr>
+              <a:t>dist</a:t>
+            </a:r>
+            <a:r>
+              <a:rPr lang="en-US" sz="1600" dirty="0" smtClean="0">
+                <a:solidFill>
+                  <a:schemeClr val="tx1">
+                    <a:lumMod val="50000"/>
+                    <a:lumOff val="50000"/>
+                  </a:schemeClr>
+                </a:solidFill>
+              </a:rPr>
+              <a:t>[v]</a:t>
+            </a:r>
+          </a:p>
+          <a:p>
+            <a:r>
+              <a:rPr lang="en-US" dirty="0">
+                <a:solidFill>
+                  <a:schemeClr val="tx1">
+                    <a:lumMod val="50000"/>
+                    <a:lumOff val="50000"/>
+                  </a:schemeClr>
+                </a:solidFill>
+              </a:rPr>
+              <a:t> </a:t>
+            </a:r>
+            <a:r>
+              <a:rPr lang="en-US" dirty="0" smtClean="0">
+                <a:solidFill>
+                  <a:schemeClr val="tx1">
+                    <a:lumMod val="50000"/>
+                    <a:lumOff val="50000"/>
+                  </a:schemeClr>
+                </a:solidFill>
+              </a:rPr>
+              <a:t>    </a:t>
             </a:r>
             <a:endParaRPr lang="en-US" dirty="0"/>
           </a:p>
         </p:txBody>
       </p:sp>
+      <p:sp>
+        <p:nvSpPr>
+          <p:cNvPr id="5" name="Rectangle 4"/>
+          <p:cNvSpPr/>
+          <p:nvPr/>
+        </p:nvSpPr>
+        <p:spPr>
+          <a:xfrm>
+            <a:off x="5696337" y="3921400"/>
+            <a:ext cx="5980676" cy="369332"/>
+          </a:xfrm>
+          <a:prstGeom prst="rect">
+            <a:avLst/>
+          </a:prstGeom>
+        </p:spPr>
+        <p:txBody>
+          <a:bodyPr wrap="none">
+            <a:spAutoFit/>
+          </a:bodyPr>
+          <a:lstStyle/>
+          <a:p>
+            <a:r>
+              <a:rPr lang="en-US" dirty="0">
+                <a:solidFill>
+                  <a:schemeClr val="tx1">
+                    <a:lumMod val="50000"/>
+                    <a:lumOff val="50000"/>
+                  </a:schemeClr>
+                </a:solidFill>
+              </a:rPr>
+              <a:t>In this loop, we need to update </a:t>
+            </a:r>
+            <a:r>
+              <a:rPr lang="en-US" b="1" dirty="0" err="1">
+                <a:solidFill>
+                  <a:schemeClr val="tx1">
+                    <a:lumMod val="50000"/>
+                    <a:lumOff val="50000"/>
+                  </a:schemeClr>
+                </a:solidFill>
+              </a:rPr>
+              <a:t>dist</a:t>
+            </a:r>
+            <a:r>
+              <a:rPr lang="en-US" dirty="0">
+                <a:solidFill>
+                  <a:schemeClr val="tx1">
+                    <a:lumMod val="50000"/>
+                    <a:lumOff val="50000"/>
+                  </a:schemeClr>
+                </a:solidFill>
+              </a:rPr>
+              <a:t> ( array of shortest paths ) </a:t>
+            </a:r>
+          </a:p>
+        </p:txBody>
+      </p:sp>
+      <p:cxnSp>
+        <p:nvCxnSpPr>
+          <p:cNvPr id="17" name="Straight Connector 16"/>
+          <p:cNvCxnSpPr/>
+          <p:nvPr/>
+        </p:nvCxnSpPr>
+        <p:spPr>
+          <a:xfrm>
+            <a:off x="1562162" y="4279871"/>
+            <a:ext cx="0" cy="1096801"/>
+          </a:xfrm>
+          <a:prstGeom prst="line">
+            <a:avLst/>
+          </a:prstGeom>
+        </p:spPr>
+        <p:style>
+          <a:lnRef idx="1">
+            <a:schemeClr val="accent1"/>
+          </a:lnRef>
+          <a:fillRef idx="0">
+            <a:schemeClr val="accent1"/>
+          </a:fillRef>
+          <a:effectRef idx="0">
+            <a:schemeClr val="accent1"/>
+          </a:effectRef>
+          <a:fontRef idx="minor">
+            <a:schemeClr val="tx1"/>
+          </a:fontRef>
+        </p:style>
+      </p:cxnSp>
+      <p:cxnSp>
+        <p:nvCxnSpPr>
+          <p:cNvPr id="15" name="Straight Arrow Connector 14"/>
+          <p:cNvCxnSpPr/>
+          <p:nvPr/>
+        </p:nvCxnSpPr>
+        <p:spPr>
+          <a:xfrm>
+            <a:off x="451339" y="4459646"/>
+            <a:ext cx="1036993" cy="0"/>
+          </a:xfrm>
+          <a:prstGeom prst="straightConnector1">
+            <a:avLst/>
+          </a:prstGeom>
+          <a:ln>
+            <a:tailEnd type="triangle"/>
+          </a:ln>
+        </p:spPr>
+        <p:style>
+          <a:lnRef idx="1">
+            <a:schemeClr val="accent1"/>
+          </a:lnRef>
+          <a:fillRef idx="0">
+            <a:schemeClr val="accent1"/>
+          </a:fillRef>
+          <a:effectRef idx="0">
+            <a:schemeClr val="accent1"/>
+          </a:effectRef>
+          <a:fontRef idx="minor">
+            <a:schemeClr val="tx1"/>
+          </a:fontRef>
+        </p:style>
+      </p:cxnSp>
       <p:pic>
         <p:nvPicPr>
-          <p:cNvPr id="9" name="Picture 8"/>
+          <p:cNvPr id="10" name="Picture 9"/>
+          <p:cNvPicPr>
+            <a:picLocks noChangeAspect="1"/>
+          </p:cNvPicPr>
+          <p:nvPr/>
+        </p:nvPicPr>
+        <p:blipFill>
+          <a:blip r:embed="rId3"/>
+          <a:stretch>
+            <a:fillRect/>
+          </a:stretch>
+        </p:blipFill>
+        <p:spPr>
+          <a:xfrm>
+            <a:off x="6108580" y="1374972"/>
+            <a:ext cx="4058216" cy="2248214"/>
+          </a:xfrm>
+          <a:prstGeom prst="rect">
+            <a:avLst/>
+          </a:prstGeom>
+        </p:spPr>
+      </p:pic>
+      <p:sp>
+        <p:nvSpPr>
+          <p:cNvPr id="11" name="Oval 10"/>
+          <p:cNvSpPr/>
+          <p:nvPr/>
+        </p:nvSpPr>
+        <p:spPr>
+          <a:xfrm>
+            <a:off x="6226059" y="2298017"/>
+            <a:ext cx="603227" cy="548640"/>
+          </a:xfrm>
+          <a:prstGeom prst="ellipse">
+            <a:avLst/>
+          </a:prstGeom>
+          <a:noFill/>
+        </p:spPr>
+        <p:style>
+          <a:lnRef idx="2">
+            <a:schemeClr val="accent6"/>
+          </a:lnRef>
+          <a:fillRef idx="1">
+            <a:schemeClr val="lt1"/>
+          </a:fillRef>
+          <a:effectRef idx="0">
+            <a:schemeClr val="accent6"/>
+          </a:effectRef>
+          <a:fontRef idx="minor">
+            <a:schemeClr val="dk1"/>
+          </a:fontRef>
+        </p:style>
+        <p:txBody>
+          <a:bodyPr rtlCol="0" anchor="ctr"/>
+          <a:lstStyle/>
+          <a:p>
+            <a:pPr algn="ctr"/>
+            <a:endParaRPr lang="en-US"/>
+          </a:p>
+        </p:txBody>
+      </p:sp>
+      <p:sp>
+        <p:nvSpPr>
+          <p:cNvPr id="13" name="Oval 12"/>
+          <p:cNvSpPr/>
+          <p:nvPr/>
+        </p:nvSpPr>
+        <p:spPr>
+          <a:xfrm>
+            <a:off x="6933630" y="1608495"/>
+            <a:ext cx="603227" cy="548640"/>
+          </a:xfrm>
+          <a:prstGeom prst="ellipse">
+            <a:avLst/>
+          </a:prstGeom>
+          <a:noFill/>
+          <a:ln>
+            <a:solidFill>
+              <a:schemeClr val="accent4"/>
+            </a:solidFill>
+          </a:ln>
+        </p:spPr>
+        <p:style>
+          <a:lnRef idx="2">
+            <a:schemeClr val="accent6"/>
+          </a:lnRef>
+          <a:fillRef idx="1">
+            <a:schemeClr val="lt1"/>
+          </a:fillRef>
+          <a:effectRef idx="0">
+            <a:schemeClr val="accent6"/>
+          </a:effectRef>
+          <a:fontRef idx="minor">
+            <a:schemeClr val="dk1"/>
+          </a:fontRef>
+        </p:style>
+        <p:txBody>
+          <a:bodyPr rtlCol="0" anchor="ctr"/>
+          <a:lstStyle/>
+          <a:p>
+            <a:pPr algn="ctr"/>
+            <a:endParaRPr lang="en-US"/>
+          </a:p>
+        </p:txBody>
+      </p:sp>
+      <p:sp>
+        <p:nvSpPr>
+          <p:cNvPr id="14" name="Oval 13"/>
+          <p:cNvSpPr/>
+          <p:nvPr/>
+        </p:nvSpPr>
+        <p:spPr>
+          <a:xfrm>
+            <a:off x="7903521" y="1598493"/>
+            <a:ext cx="603227" cy="548640"/>
+          </a:xfrm>
+          <a:prstGeom prst="ellipse">
+            <a:avLst/>
+          </a:prstGeom>
+          <a:noFill/>
+          <a:ln>
+            <a:solidFill>
+              <a:srgbClr val="FF0000"/>
+            </a:solidFill>
+          </a:ln>
+        </p:spPr>
+        <p:style>
+          <a:lnRef idx="2">
+            <a:schemeClr val="accent6"/>
+          </a:lnRef>
+          <a:fillRef idx="1">
+            <a:schemeClr val="lt1"/>
+          </a:fillRef>
+          <a:effectRef idx="0">
+            <a:schemeClr val="accent6"/>
+          </a:effectRef>
+          <a:fontRef idx="minor">
+            <a:schemeClr val="dk1"/>
+          </a:fontRef>
+        </p:style>
+        <p:txBody>
+          <a:bodyPr rtlCol="0" anchor="ctr"/>
+          <a:lstStyle/>
+          <a:p>
+            <a:pPr algn="ctr"/>
+            <a:endParaRPr lang="en-US"/>
+          </a:p>
+        </p:txBody>
+      </p:sp>
+      <p:sp>
+        <p:nvSpPr>
+          <p:cNvPr id="3" name="TextBox 2"/>
+          <p:cNvSpPr txBox="1"/>
+          <p:nvPr/>
+        </p:nvSpPr>
+        <p:spPr>
+          <a:xfrm>
+            <a:off x="8506748" y="1132046"/>
+            <a:ext cx="2129109" cy="276999"/>
+          </a:xfrm>
+          <a:prstGeom prst="rect">
+            <a:avLst/>
+          </a:prstGeom>
+          <a:noFill/>
+        </p:spPr>
+        <p:txBody>
+          <a:bodyPr wrap="none" rtlCol="0">
+            <a:spAutoFit/>
+          </a:bodyPr>
+          <a:lstStyle/>
+          <a:p>
+            <a:r>
+              <a:rPr lang="en-US" sz="1200" dirty="0" smtClean="0"/>
+              <a:t>No direct connection to node 2</a:t>
+            </a:r>
+            <a:endParaRPr lang="en-US" sz="1200" dirty="0"/>
+          </a:p>
+        </p:txBody>
+      </p:sp>
+      <p:cxnSp>
+        <p:nvCxnSpPr>
+          <p:cNvPr id="7" name="Straight Arrow Connector 6"/>
+          <p:cNvCxnSpPr/>
+          <p:nvPr/>
+        </p:nvCxnSpPr>
+        <p:spPr>
+          <a:xfrm flipH="1">
+            <a:off x="8338457" y="1409045"/>
+            <a:ext cx="168291" cy="189448"/>
+          </a:xfrm>
+          <a:prstGeom prst="straightConnector1">
+            <a:avLst/>
+          </a:prstGeom>
+          <a:ln>
+            <a:solidFill>
+              <a:srgbClr val="FF0000"/>
+            </a:solidFill>
+            <a:tailEnd type="triangle"/>
+          </a:ln>
+        </p:spPr>
+        <p:style>
+          <a:lnRef idx="1">
+            <a:schemeClr val="accent1"/>
+          </a:lnRef>
+          <a:fillRef idx="0">
+            <a:schemeClr val="accent1"/>
+          </a:fillRef>
+          <a:effectRef idx="0">
+            <a:schemeClr val="accent1"/>
+          </a:effectRef>
+          <a:fontRef idx="minor">
+            <a:schemeClr val="tx1"/>
+          </a:fontRef>
+        </p:style>
+      </p:cxnSp>
+    </p:spTree>
+    <p:extLst>
+      <p:ext uri="{BB962C8B-B14F-4D97-AF65-F5344CB8AC3E}">
+        <p14:creationId xmlns:p14="http://schemas.microsoft.com/office/powerpoint/2010/main" val="1242799202"/>
+      </p:ext>
+    </p:extLst>
+  </p:cSld>
+  <p:clrMapOvr>
+    <a:masterClrMapping/>
+  </p:clrMapOvr>
+  <p:timing>
+    <p:tnLst>
+      <p:par>
+        <p:cTn id="1" dur="indefinite" restart="never" nodeType="tmRoot"/>
+      </p:par>
+    </p:tnLst>
+  </p:timing>
+</p:sld>
+</file>
+
+<file path=ppt/slides/slide18.xml><?xml version="1.0" encoding="utf-8"?>
+<p:sld xmlns:a="http://schemas.openxmlformats.org/drawingml/2006/main" xmlns:r="http://schemas.openxmlformats.org/officeDocument/2006/relationships" xmlns:p="http://schemas.openxmlformats.org/presentationml/2006/main">
+  <p:cSld>
+    <p:spTree>
+      <p:nvGrpSpPr>
+        <p:cNvPr id="1" name=""/>
+        <p:cNvGrpSpPr/>
+        <p:nvPr/>
+      </p:nvGrpSpPr>
+      <p:grpSpPr>
+        <a:xfrm>
+          <a:off x="0" y="0"/>
+          <a:ext cx="0" cy="0"/>
+          <a:chOff x="0" y="0"/>
+          <a:chExt cx="0" cy="0"/>
+        </a:xfrm>
+      </p:grpSpPr>
+      <p:pic>
+        <p:nvPicPr>
+          <p:cNvPr id="4" name="Picture 3"/>
           <p:cNvPicPr>
             <a:picLocks noChangeAspect="1"/>
           </p:cNvPicPr>
@@ -5803,106 +6795,1096 @@
         </p:blipFill>
         <p:spPr>
           <a:xfrm>
-            <a:off x="8424038" y="1640250"/>
-            <a:ext cx="2291762" cy="2080540"/>
+            <a:off x="945212" y="1678496"/>
+            <a:ext cx="5377463" cy="4283392"/>
           </a:xfrm>
           <a:prstGeom prst="rect">
             <a:avLst/>
           </a:prstGeom>
         </p:spPr>
       </p:pic>
+      <p:sp>
+        <p:nvSpPr>
+          <p:cNvPr id="2" name="Title 1"/>
+          <p:cNvSpPr>
+            <a:spLocks noGrp="1"/>
+          </p:cNvSpPr>
+          <p:nvPr>
+            <p:ph type="title"/>
+          </p:nvPr>
+        </p:nvSpPr>
+        <p:spPr/>
+        <p:txBody>
+          <a:bodyPr/>
+          <a:lstStyle/>
+          <a:p>
+            <a:r>
+              <a:rPr lang="en-US" dirty="0"/>
+              <a:t>C++ Code Sample – Step 3</a:t>
+            </a:r>
+          </a:p>
+        </p:txBody>
+      </p:sp>
+      <p:cxnSp>
+        <p:nvCxnSpPr>
+          <p:cNvPr id="18" name="Straight Connector 17"/>
+          <p:cNvCxnSpPr/>
+          <p:nvPr/>
+        </p:nvCxnSpPr>
+        <p:spPr>
+          <a:xfrm>
+            <a:off x="1195754" y="3423125"/>
+            <a:ext cx="0" cy="1953547"/>
+          </a:xfrm>
+          <a:prstGeom prst="line">
+            <a:avLst/>
+          </a:prstGeom>
+          <a:ln>
+            <a:solidFill>
+              <a:schemeClr val="accent1">
+                <a:lumMod val="20000"/>
+                <a:lumOff val="80000"/>
+              </a:schemeClr>
+            </a:solidFill>
+          </a:ln>
+        </p:spPr>
+        <p:style>
+          <a:lnRef idx="1">
+            <a:schemeClr val="accent1"/>
+          </a:lnRef>
+          <a:fillRef idx="0">
+            <a:schemeClr val="accent1"/>
+          </a:fillRef>
+          <a:effectRef idx="0">
+            <a:schemeClr val="accent1"/>
+          </a:effectRef>
+          <a:fontRef idx="minor">
+            <a:schemeClr val="tx1"/>
+          </a:fontRef>
+        </p:style>
+      </p:cxnSp>
+      <p:cxnSp>
+        <p:nvCxnSpPr>
+          <p:cNvPr id="21" name="Straight Arrow Connector 20"/>
+          <p:cNvCxnSpPr/>
+          <p:nvPr/>
+        </p:nvCxnSpPr>
+        <p:spPr>
+          <a:xfrm flipH="1">
+            <a:off x="4126239" y="4106066"/>
+            <a:ext cx="1570098" cy="184666"/>
+          </a:xfrm>
+          <a:prstGeom prst="straightConnector1">
+            <a:avLst/>
+          </a:prstGeom>
+          <a:ln>
+            <a:tailEnd type="triangle"/>
+          </a:ln>
+        </p:spPr>
+        <p:style>
+          <a:lnRef idx="1">
+            <a:schemeClr val="accent1"/>
+          </a:lnRef>
+          <a:fillRef idx="0">
+            <a:schemeClr val="accent1"/>
+          </a:fillRef>
+          <a:effectRef idx="0">
+            <a:schemeClr val="accent1"/>
+          </a:effectRef>
+          <a:fontRef idx="minor">
+            <a:schemeClr val="tx1"/>
+          </a:fontRef>
+        </p:style>
+      </p:cxnSp>
+      <p:sp>
+        <p:nvSpPr>
+          <p:cNvPr id="12" name="Rectangle 11"/>
+          <p:cNvSpPr/>
+          <p:nvPr/>
+        </p:nvSpPr>
+        <p:spPr>
+          <a:xfrm>
+            <a:off x="5923755" y="4279871"/>
+            <a:ext cx="6107791" cy="1661993"/>
+          </a:xfrm>
+          <a:prstGeom prst="rect">
+            <a:avLst/>
+          </a:prstGeom>
+        </p:spPr>
+        <p:txBody>
+          <a:bodyPr wrap="square">
+            <a:spAutoFit/>
+          </a:bodyPr>
+          <a:lstStyle/>
+          <a:p>
+            <a:r>
+              <a:rPr lang="en-US" b="1" dirty="0">
+                <a:solidFill>
+                  <a:schemeClr val="tx1">
+                    <a:lumMod val="50000"/>
+                    <a:lumOff val="50000"/>
+                  </a:schemeClr>
+                </a:solidFill>
+              </a:rPr>
+              <a:t> </a:t>
+            </a:r>
+            <a:r>
+              <a:rPr lang="en-US" b="1" dirty="0" smtClean="0">
+                <a:solidFill>
+                  <a:schemeClr val="tx1">
+                    <a:lumMod val="50000"/>
+                    <a:lumOff val="50000"/>
+                  </a:schemeClr>
+                </a:solidFill>
+              </a:rPr>
+              <a:t>if</a:t>
+            </a:r>
+          </a:p>
+          <a:p>
+            <a:r>
+              <a:rPr lang="en-US" b="1" dirty="0" smtClean="0">
+                <a:solidFill>
+                  <a:schemeClr val="tx1">
+                    <a:lumMod val="50000"/>
+                    <a:lumOff val="50000"/>
+                  </a:schemeClr>
+                </a:solidFill>
+              </a:rPr>
+              <a:t>    </a:t>
+            </a:r>
+            <a:r>
+              <a:rPr lang="en-US" sz="1600" dirty="0" smtClean="0">
+                <a:solidFill>
+                  <a:schemeClr val="tx1">
+                    <a:lumMod val="50000"/>
+                    <a:lumOff val="50000"/>
+                  </a:schemeClr>
+                </a:solidFill>
+              </a:rPr>
+              <a:t>-</a:t>
+            </a:r>
+            <a:r>
+              <a:rPr lang="en-US" sz="1600" b="1" dirty="0" smtClean="0">
+                <a:solidFill>
+                  <a:schemeClr val="tx1">
+                    <a:lumMod val="50000"/>
+                    <a:lumOff val="50000"/>
+                  </a:schemeClr>
+                </a:solidFill>
+              </a:rPr>
+              <a:t> </a:t>
+            </a:r>
+            <a:r>
+              <a:rPr lang="en-US" sz="1600" dirty="0">
+                <a:solidFill>
+                  <a:schemeClr val="tx1">
+                    <a:lumMod val="50000"/>
+                    <a:lumOff val="50000"/>
+                  </a:schemeClr>
+                </a:solidFill>
+              </a:rPr>
+              <a:t>node</a:t>
+            </a:r>
+            <a:r>
+              <a:rPr lang="en-US" sz="1600" b="1" dirty="0">
+                <a:solidFill>
+                  <a:schemeClr val="tx1">
+                    <a:lumMod val="50000"/>
+                    <a:lumOff val="50000"/>
+                  </a:schemeClr>
+                </a:solidFill>
+              </a:rPr>
+              <a:t> </a:t>
+            </a:r>
+            <a:r>
+              <a:rPr lang="en-US" sz="1600" dirty="0">
+                <a:solidFill>
+                  <a:schemeClr val="tx1">
+                    <a:lumMod val="50000"/>
+                    <a:lumOff val="50000"/>
+                  </a:schemeClr>
+                </a:solidFill>
+              </a:rPr>
+              <a:t>is not yet visited</a:t>
+            </a:r>
+          </a:p>
+          <a:p>
+            <a:r>
+              <a:rPr lang="en-US" sz="1600" dirty="0" smtClean="0">
+                <a:solidFill>
+                  <a:schemeClr val="tx1">
+                    <a:lumMod val="50000"/>
+                    <a:lumOff val="50000"/>
+                  </a:schemeClr>
+                </a:solidFill>
+              </a:rPr>
+              <a:t>     - node is connected to another node (there is an edge from u to v )</a:t>
+            </a:r>
+          </a:p>
+          <a:p>
+            <a:r>
+              <a:rPr lang="en-US" sz="1600" dirty="0">
+                <a:solidFill>
+                  <a:schemeClr val="tx1">
+                    <a:lumMod val="50000"/>
+                    <a:lumOff val="50000"/>
+                  </a:schemeClr>
+                </a:solidFill>
+              </a:rPr>
+              <a:t> </a:t>
+            </a:r>
+            <a:r>
+              <a:rPr lang="en-US" sz="1600" dirty="0" smtClean="0">
+                <a:solidFill>
+                  <a:schemeClr val="tx1">
+                    <a:lumMod val="50000"/>
+                    <a:lumOff val="50000"/>
+                  </a:schemeClr>
+                </a:solidFill>
+              </a:rPr>
+              <a:t>    - the total weight of path from </a:t>
+            </a:r>
+            <a:r>
+              <a:rPr lang="en-US" sz="1600" dirty="0" err="1" smtClean="0">
+                <a:solidFill>
+                  <a:schemeClr val="tx1">
+                    <a:lumMod val="50000"/>
+                    <a:lumOff val="50000"/>
+                  </a:schemeClr>
+                </a:solidFill>
+              </a:rPr>
+              <a:t>src</a:t>
+            </a:r>
+            <a:r>
+              <a:rPr lang="en-US" sz="1600" dirty="0" smtClean="0">
+                <a:solidFill>
+                  <a:schemeClr val="tx1">
+                    <a:lumMod val="50000"/>
+                    <a:lumOff val="50000"/>
+                  </a:schemeClr>
+                </a:solidFill>
+              </a:rPr>
+              <a:t> to v through u is smaller that     </a:t>
+            </a:r>
+          </a:p>
+          <a:p>
+            <a:r>
+              <a:rPr lang="en-US" sz="1600" dirty="0">
+                <a:solidFill>
+                  <a:schemeClr val="tx1">
+                    <a:lumMod val="50000"/>
+                    <a:lumOff val="50000"/>
+                  </a:schemeClr>
+                </a:solidFill>
+              </a:rPr>
+              <a:t> </a:t>
+            </a:r>
+            <a:r>
+              <a:rPr lang="en-US" sz="1600" dirty="0" smtClean="0">
+                <a:solidFill>
+                  <a:schemeClr val="tx1">
+                    <a:lumMod val="50000"/>
+                    <a:lumOff val="50000"/>
+                  </a:schemeClr>
+                </a:solidFill>
+              </a:rPr>
+              <a:t>      current value of </a:t>
+            </a:r>
+            <a:r>
+              <a:rPr lang="en-US" sz="1600" dirty="0" err="1" smtClean="0">
+                <a:solidFill>
+                  <a:schemeClr val="tx1">
+                    <a:lumMod val="50000"/>
+                    <a:lumOff val="50000"/>
+                  </a:schemeClr>
+                </a:solidFill>
+              </a:rPr>
+              <a:t>dist</a:t>
+            </a:r>
+            <a:r>
+              <a:rPr lang="en-US" sz="1600" dirty="0" smtClean="0">
+                <a:solidFill>
+                  <a:schemeClr val="tx1">
+                    <a:lumMod val="50000"/>
+                    <a:lumOff val="50000"/>
+                  </a:schemeClr>
+                </a:solidFill>
+              </a:rPr>
+              <a:t>[v]</a:t>
+            </a:r>
+          </a:p>
+          <a:p>
+            <a:r>
+              <a:rPr lang="en-US" dirty="0">
+                <a:solidFill>
+                  <a:schemeClr val="tx1">
+                    <a:lumMod val="50000"/>
+                    <a:lumOff val="50000"/>
+                  </a:schemeClr>
+                </a:solidFill>
+              </a:rPr>
+              <a:t> </a:t>
+            </a:r>
+            <a:r>
+              <a:rPr lang="en-US" dirty="0" smtClean="0">
+                <a:solidFill>
+                  <a:schemeClr val="tx1">
+                    <a:lumMod val="50000"/>
+                    <a:lumOff val="50000"/>
+                  </a:schemeClr>
+                </a:solidFill>
+              </a:rPr>
+              <a:t>    </a:t>
+            </a:r>
+            <a:endParaRPr lang="en-US" dirty="0"/>
+          </a:p>
+        </p:txBody>
+      </p:sp>
+      <p:sp>
+        <p:nvSpPr>
+          <p:cNvPr id="5" name="Rectangle 4"/>
+          <p:cNvSpPr/>
+          <p:nvPr/>
+        </p:nvSpPr>
+        <p:spPr>
+          <a:xfrm>
+            <a:off x="5696337" y="3921400"/>
+            <a:ext cx="5980676" cy="369332"/>
+          </a:xfrm>
+          <a:prstGeom prst="rect">
+            <a:avLst/>
+          </a:prstGeom>
+        </p:spPr>
+        <p:txBody>
+          <a:bodyPr wrap="none">
+            <a:spAutoFit/>
+          </a:bodyPr>
+          <a:lstStyle/>
+          <a:p>
+            <a:r>
+              <a:rPr lang="en-US" dirty="0">
+                <a:solidFill>
+                  <a:schemeClr val="tx1">
+                    <a:lumMod val="50000"/>
+                    <a:lumOff val="50000"/>
+                  </a:schemeClr>
+                </a:solidFill>
+              </a:rPr>
+              <a:t>In this loop, we need to update </a:t>
+            </a:r>
+            <a:r>
+              <a:rPr lang="en-US" b="1" dirty="0" err="1">
+                <a:solidFill>
+                  <a:schemeClr val="tx1">
+                    <a:lumMod val="50000"/>
+                    <a:lumOff val="50000"/>
+                  </a:schemeClr>
+                </a:solidFill>
+              </a:rPr>
+              <a:t>dist</a:t>
+            </a:r>
+            <a:r>
+              <a:rPr lang="en-US" dirty="0">
+                <a:solidFill>
+                  <a:schemeClr val="tx1">
+                    <a:lumMod val="50000"/>
+                    <a:lumOff val="50000"/>
+                  </a:schemeClr>
+                </a:solidFill>
+              </a:rPr>
+              <a:t> ( array of shortest paths ) </a:t>
+            </a:r>
+          </a:p>
+        </p:txBody>
+      </p:sp>
+      <p:cxnSp>
+        <p:nvCxnSpPr>
+          <p:cNvPr id="17" name="Straight Connector 16"/>
+          <p:cNvCxnSpPr/>
+          <p:nvPr/>
+        </p:nvCxnSpPr>
+        <p:spPr>
+          <a:xfrm>
+            <a:off x="1562162" y="4279871"/>
+            <a:ext cx="0" cy="1096801"/>
+          </a:xfrm>
+          <a:prstGeom prst="line">
+            <a:avLst/>
+          </a:prstGeom>
+        </p:spPr>
+        <p:style>
+          <a:lnRef idx="1">
+            <a:schemeClr val="accent1"/>
+          </a:lnRef>
+          <a:fillRef idx="0">
+            <a:schemeClr val="accent1"/>
+          </a:fillRef>
+          <a:effectRef idx="0">
+            <a:schemeClr val="accent1"/>
+          </a:effectRef>
+          <a:fontRef idx="minor">
+            <a:schemeClr val="tx1"/>
+          </a:fontRef>
+        </p:style>
+      </p:cxnSp>
+      <p:cxnSp>
+        <p:nvCxnSpPr>
+          <p:cNvPr id="15" name="Straight Arrow Connector 14"/>
+          <p:cNvCxnSpPr/>
+          <p:nvPr/>
+        </p:nvCxnSpPr>
+        <p:spPr>
+          <a:xfrm>
+            <a:off x="451339" y="4459646"/>
+            <a:ext cx="1036993" cy="0"/>
+          </a:xfrm>
+          <a:prstGeom prst="straightConnector1">
+            <a:avLst/>
+          </a:prstGeom>
+          <a:ln>
+            <a:tailEnd type="triangle"/>
+          </a:ln>
+        </p:spPr>
+        <p:style>
+          <a:lnRef idx="1">
+            <a:schemeClr val="accent1"/>
+          </a:lnRef>
+          <a:fillRef idx="0">
+            <a:schemeClr val="accent1"/>
+          </a:fillRef>
+          <a:effectRef idx="0">
+            <a:schemeClr val="accent1"/>
+          </a:effectRef>
+          <a:fontRef idx="minor">
+            <a:schemeClr val="tx1"/>
+          </a:fontRef>
+        </p:style>
+      </p:cxnSp>
       <p:pic>
         <p:nvPicPr>
-          <p:cNvPr id="1028" name="Picture 4" descr="http://d1gjlxt8vb0knt.cloudfront.net//wp-content/uploads/DIJ5.jpg"/>
+          <p:cNvPr id="10" name="Picture 9"/>
           <p:cNvPicPr>
-            <a:picLocks noChangeAspect="1" noChangeArrowheads="1"/>
+            <a:picLocks noChangeAspect="1"/>
           </p:cNvPicPr>
           <p:nvPr/>
         </p:nvPicPr>
         <p:blipFill>
-          <a:blip r:embed="rId3">
-            <a:extLst>
-              <a:ext uri="{28A0092B-C50C-407E-A947-70E740481C1C}">
-                <a14:useLocalDpi xmlns:a14="http://schemas.microsoft.com/office/drawing/2010/main" val="0"/>
-              </a:ext>
-            </a:extLst>
-          </a:blip>
-          <a:srcRect/>
+          <a:blip r:embed="rId3"/>
           <a:stretch>
             <a:fillRect/>
           </a:stretch>
         </p:blipFill>
-        <p:spPr bwMode="auto">
-          <a:xfrm>
-            <a:off x="8696413" y="4672986"/>
-            <a:ext cx="2746956" cy="1468565"/>
+        <p:spPr>
+          <a:xfrm>
+            <a:off x="6108580" y="1374972"/>
+            <a:ext cx="4058216" cy="2248214"/>
           </a:xfrm>
           <a:prstGeom prst="rect">
             <a:avLst/>
           </a:prstGeom>
+        </p:spPr>
+      </p:pic>
+      <p:sp>
+        <p:nvSpPr>
+          <p:cNvPr id="11" name="Oval 10"/>
+          <p:cNvSpPr/>
+          <p:nvPr/>
+        </p:nvSpPr>
+        <p:spPr>
+          <a:xfrm>
+            <a:off x="6226059" y="2298017"/>
+            <a:ext cx="603227" cy="548640"/>
+          </a:xfrm>
+          <a:prstGeom prst="ellipse">
+            <a:avLst/>
+          </a:prstGeom>
           <a:noFill/>
-          <a:extLst>
-            <a:ext uri="{909E8E84-426E-40DD-AFC4-6F175D3DCCD1}">
-              <a14:hiddenFill xmlns:a14="http://schemas.microsoft.com/office/drawing/2010/main">
-                <a:solidFill>
-                  <a:srgbClr val="FFFFFF"/>
-                </a:solidFill>
-              </a14:hiddenFill>
-            </a:ext>
-          </a:extLst>
-        </p:spPr>
-      </p:pic>
+        </p:spPr>
+        <p:style>
+          <a:lnRef idx="2">
+            <a:schemeClr val="accent6"/>
+          </a:lnRef>
+          <a:fillRef idx="1">
+            <a:schemeClr val="lt1"/>
+          </a:fillRef>
+          <a:effectRef idx="0">
+            <a:schemeClr val="accent6"/>
+          </a:effectRef>
+          <a:fontRef idx="minor">
+            <a:schemeClr val="dk1"/>
+          </a:fontRef>
+        </p:style>
+        <p:txBody>
+          <a:bodyPr rtlCol="0" anchor="ctr"/>
+          <a:lstStyle/>
+          <a:p>
+            <a:pPr algn="ctr"/>
+            <a:endParaRPr lang="en-US"/>
+          </a:p>
+        </p:txBody>
+      </p:sp>
+      <p:sp>
+        <p:nvSpPr>
+          <p:cNvPr id="13" name="Oval 12"/>
+          <p:cNvSpPr/>
+          <p:nvPr/>
+        </p:nvSpPr>
+        <p:spPr>
+          <a:xfrm>
+            <a:off x="6933630" y="1608495"/>
+            <a:ext cx="603227" cy="548640"/>
+          </a:xfrm>
+          <a:prstGeom prst="ellipse">
+            <a:avLst/>
+          </a:prstGeom>
+          <a:noFill/>
+          <a:ln>
+            <a:solidFill>
+              <a:schemeClr val="accent4"/>
+            </a:solidFill>
+          </a:ln>
+        </p:spPr>
+        <p:style>
+          <a:lnRef idx="2">
+            <a:schemeClr val="accent6"/>
+          </a:lnRef>
+          <a:fillRef idx="1">
+            <a:schemeClr val="lt1"/>
+          </a:fillRef>
+          <a:effectRef idx="0">
+            <a:schemeClr val="accent6"/>
+          </a:effectRef>
+          <a:fontRef idx="minor">
+            <a:schemeClr val="dk1"/>
+          </a:fontRef>
+        </p:style>
+        <p:txBody>
+          <a:bodyPr rtlCol="0" anchor="ctr"/>
+          <a:lstStyle/>
+          <a:p>
+            <a:pPr algn="ctr"/>
+            <a:endParaRPr lang="en-US"/>
+          </a:p>
+        </p:txBody>
+      </p:sp>
+      <p:sp>
+        <p:nvSpPr>
+          <p:cNvPr id="14" name="Oval 13"/>
+          <p:cNvSpPr/>
+          <p:nvPr/>
+        </p:nvSpPr>
+        <p:spPr>
+          <a:xfrm>
+            <a:off x="8733544" y="1598493"/>
+            <a:ext cx="603227" cy="548640"/>
+          </a:xfrm>
+          <a:prstGeom prst="ellipse">
+            <a:avLst/>
+          </a:prstGeom>
+          <a:noFill/>
+          <a:ln>
+            <a:solidFill>
+              <a:srgbClr val="FF0000"/>
+            </a:solidFill>
+          </a:ln>
+        </p:spPr>
+        <p:style>
+          <a:lnRef idx="2">
+            <a:schemeClr val="accent6"/>
+          </a:lnRef>
+          <a:fillRef idx="1">
+            <a:schemeClr val="lt1"/>
+          </a:fillRef>
+          <a:effectRef idx="0">
+            <a:schemeClr val="accent6"/>
+          </a:effectRef>
+          <a:fontRef idx="minor">
+            <a:schemeClr val="dk1"/>
+          </a:fontRef>
+        </p:style>
+        <p:txBody>
+          <a:bodyPr rtlCol="0" anchor="ctr"/>
+          <a:lstStyle/>
+          <a:p>
+            <a:pPr algn="ctr"/>
+            <a:endParaRPr lang="en-US"/>
+          </a:p>
+        </p:txBody>
+      </p:sp>
+      <p:sp>
+        <p:nvSpPr>
+          <p:cNvPr id="3" name="TextBox 2"/>
+          <p:cNvSpPr txBox="1"/>
+          <p:nvPr/>
+        </p:nvSpPr>
+        <p:spPr>
+          <a:xfrm>
+            <a:off x="9265170" y="1163751"/>
+            <a:ext cx="2129109" cy="276999"/>
+          </a:xfrm>
+          <a:prstGeom prst="rect">
+            <a:avLst/>
+          </a:prstGeom>
+          <a:noFill/>
+        </p:spPr>
+        <p:txBody>
+          <a:bodyPr wrap="none" rtlCol="0">
+            <a:spAutoFit/>
+          </a:bodyPr>
+          <a:lstStyle/>
+          <a:p>
+            <a:r>
+              <a:rPr lang="en-US" sz="1200" dirty="0" smtClean="0"/>
+              <a:t>No direct connection to node 3</a:t>
+            </a:r>
+            <a:endParaRPr lang="en-US" sz="1200" dirty="0"/>
+          </a:p>
+        </p:txBody>
+      </p:sp>
+      <p:cxnSp>
+        <p:nvCxnSpPr>
+          <p:cNvPr id="7" name="Straight Arrow Connector 6"/>
+          <p:cNvCxnSpPr/>
+          <p:nvPr/>
+        </p:nvCxnSpPr>
+        <p:spPr>
+          <a:xfrm flipH="1">
+            <a:off x="9336771" y="1450647"/>
+            <a:ext cx="168291" cy="189448"/>
+          </a:xfrm>
+          <a:prstGeom prst="straightConnector1">
+            <a:avLst/>
+          </a:prstGeom>
+          <a:ln>
+            <a:solidFill>
+              <a:srgbClr val="FF0000"/>
+            </a:solidFill>
+            <a:tailEnd type="triangle"/>
+          </a:ln>
+        </p:spPr>
+        <p:style>
+          <a:lnRef idx="1">
+            <a:schemeClr val="accent1"/>
+          </a:lnRef>
+          <a:fillRef idx="0">
+            <a:schemeClr val="accent1"/>
+          </a:fillRef>
+          <a:effectRef idx="0">
+            <a:schemeClr val="accent1"/>
+          </a:effectRef>
+          <a:fontRef idx="minor">
+            <a:schemeClr val="tx1"/>
+          </a:fontRef>
+        </p:style>
+      </p:cxnSp>
+    </p:spTree>
+    <p:extLst>
+      <p:ext uri="{BB962C8B-B14F-4D97-AF65-F5344CB8AC3E}">
+        <p14:creationId xmlns:p14="http://schemas.microsoft.com/office/powerpoint/2010/main" val="1295776868"/>
+      </p:ext>
+    </p:extLst>
+  </p:cSld>
+  <p:clrMapOvr>
+    <a:masterClrMapping/>
+  </p:clrMapOvr>
+  <p:timing>
+    <p:tnLst>
+      <p:par>
+        <p:cTn id="1" dur="indefinite" restart="never" nodeType="tmRoot"/>
+      </p:par>
+    </p:tnLst>
+  </p:timing>
+</p:sld>
+</file>
+
+<file path=ppt/slides/slide19.xml><?xml version="1.0" encoding="utf-8"?>
+<p:sld xmlns:a="http://schemas.openxmlformats.org/drawingml/2006/main" xmlns:r="http://schemas.openxmlformats.org/officeDocument/2006/relationships" xmlns:p="http://schemas.openxmlformats.org/presentationml/2006/main">
+  <p:cSld>
+    <p:spTree>
+      <p:nvGrpSpPr>
+        <p:cNvPr id="1" name=""/>
+        <p:cNvGrpSpPr/>
+        <p:nvPr/>
+      </p:nvGrpSpPr>
+      <p:grpSpPr>
+        <a:xfrm>
+          <a:off x="0" y="0"/>
+          <a:ext cx="0" cy="0"/>
+          <a:chOff x="0" y="0"/>
+          <a:chExt cx="0" cy="0"/>
+        </a:xfrm>
+      </p:grpSpPr>
       <p:pic>
         <p:nvPicPr>
-          <p:cNvPr id="1030" name="Picture 6" descr="http://d1gjlxt8vb0knt.cloudfront.net//wp-content/uploads/Fig-11.jpg"/>
+          <p:cNvPr id="4" name="Picture 3"/>
           <p:cNvPicPr>
-            <a:picLocks noChangeAspect="1" noChangeArrowheads="1"/>
+            <a:picLocks noChangeAspect="1"/>
           </p:cNvPicPr>
           <p:nvPr/>
         </p:nvPicPr>
         <p:blipFill>
-          <a:blip r:embed="rId4" cstate="print">
-            <a:extLst>
-              <a:ext uri="{28A0092B-C50C-407E-A947-70E740481C1C}">
-                <a14:useLocalDpi xmlns:a14="http://schemas.microsoft.com/office/drawing/2010/main" val="0"/>
-              </a:ext>
-            </a:extLst>
-          </a:blip>
-          <a:srcRect/>
+          <a:blip r:embed="rId2"/>
           <a:stretch>
             <a:fillRect/>
           </a:stretch>
         </p:blipFill>
-        <p:spPr bwMode="auto">
-          <a:xfrm>
-            <a:off x="5585245" y="4817576"/>
-            <a:ext cx="2838793" cy="1323975"/>
+        <p:spPr>
+          <a:xfrm>
+            <a:off x="945212" y="1678496"/>
+            <a:ext cx="5377463" cy="4283392"/>
           </a:xfrm>
           <a:prstGeom prst="rect">
             <a:avLst/>
           </a:prstGeom>
-          <a:noFill/>
-          <a:extLst>
-            <a:ext uri="{909E8E84-426E-40DD-AFC4-6F175D3DCCD1}">
-              <a14:hiddenFill xmlns:a14="http://schemas.microsoft.com/office/drawing/2010/main">
-                <a:solidFill>
-                  <a:srgbClr val="FFFFFF"/>
-                </a:solidFill>
-              </a14:hiddenFill>
-            </a:ext>
-          </a:extLst>
         </p:spPr>
       </p:pic>
       <p:sp>
         <p:nvSpPr>
-          <p:cNvPr id="17" name="Rectangle 16"/>
+          <p:cNvPr id="2" name="Title 1"/>
+          <p:cNvSpPr>
+            <a:spLocks noGrp="1"/>
+          </p:cNvSpPr>
+          <p:nvPr>
+            <p:ph type="title"/>
+          </p:nvPr>
+        </p:nvSpPr>
+        <p:spPr/>
+        <p:txBody>
+          <a:bodyPr/>
+          <a:lstStyle/>
+          <a:p>
+            <a:r>
+              <a:rPr lang="en-US" dirty="0"/>
+              <a:t>C++ Code Sample – Step 3</a:t>
+            </a:r>
+          </a:p>
+        </p:txBody>
+      </p:sp>
+      <p:cxnSp>
+        <p:nvCxnSpPr>
+          <p:cNvPr id="18" name="Straight Connector 17"/>
+          <p:cNvCxnSpPr/>
+          <p:nvPr/>
+        </p:nvCxnSpPr>
+        <p:spPr>
+          <a:xfrm>
+            <a:off x="1195754" y="3423125"/>
+            <a:ext cx="0" cy="1953547"/>
+          </a:xfrm>
+          <a:prstGeom prst="line">
+            <a:avLst/>
+          </a:prstGeom>
+          <a:ln>
+            <a:solidFill>
+              <a:schemeClr val="accent1">
+                <a:lumMod val="20000"/>
+                <a:lumOff val="80000"/>
+              </a:schemeClr>
+            </a:solidFill>
+          </a:ln>
+        </p:spPr>
+        <p:style>
+          <a:lnRef idx="1">
+            <a:schemeClr val="accent1"/>
+          </a:lnRef>
+          <a:fillRef idx="0">
+            <a:schemeClr val="accent1"/>
+          </a:fillRef>
+          <a:effectRef idx="0">
+            <a:schemeClr val="accent1"/>
+          </a:effectRef>
+          <a:fontRef idx="minor">
+            <a:schemeClr val="tx1"/>
+          </a:fontRef>
+        </p:style>
+      </p:cxnSp>
+      <p:cxnSp>
+        <p:nvCxnSpPr>
+          <p:cNvPr id="21" name="Straight Arrow Connector 20"/>
+          <p:cNvCxnSpPr/>
+          <p:nvPr/>
+        </p:nvCxnSpPr>
+        <p:spPr>
+          <a:xfrm flipH="1">
+            <a:off x="4126239" y="4106066"/>
+            <a:ext cx="1570098" cy="184666"/>
+          </a:xfrm>
+          <a:prstGeom prst="straightConnector1">
+            <a:avLst/>
+          </a:prstGeom>
+          <a:ln>
+            <a:tailEnd type="triangle"/>
+          </a:ln>
+        </p:spPr>
+        <p:style>
+          <a:lnRef idx="1">
+            <a:schemeClr val="accent1"/>
+          </a:lnRef>
+          <a:fillRef idx="0">
+            <a:schemeClr val="accent1"/>
+          </a:fillRef>
+          <a:effectRef idx="0">
+            <a:schemeClr val="accent1"/>
+          </a:effectRef>
+          <a:fontRef idx="minor">
+            <a:schemeClr val="tx1"/>
+          </a:fontRef>
+        </p:style>
+      </p:cxnSp>
+      <p:sp>
+        <p:nvSpPr>
+          <p:cNvPr id="12" name="Rectangle 11"/>
           <p:cNvSpPr/>
           <p:nvPr/>
         </p:nvSpPr>
         <p:spPr>
           <a:xfrm>
-            <a:off x="6266317" y="4310388"/>
-            <a:ext cx="1338893" cy="369332"/>
+            <a:off x="5923755" y="4279871"/>
+            <a:ext cx="6107791" cy="1661993"/>
+          </a:xfrm>
+          <a:prstGeom prst="rect">
+            <a:avLst/>
+          </a:prstGeom>
+        </p:spPr>
+        <p:txBody>
+          <a:bodyPr wrap="square">
+            <a:spAutoFit/>
+          </a:bodyPr>
+          <a:lstStyle/>
+          <a:p>
+            <a:r>
+              <a:rPr lang="en-US" b="1" dirty="0">
+                <a:solidFill>
+                  <a:schemeClr val="tx1">
+                    <a:lumMod val="50000"/>
+                    <a:lumOff val="50000"/>
+                  </a:schemeClr>
+                </a:solidFill>
+              </a:rPr>
+              <a:t> </a:t>
+            </a:r>
+            <a:r>
+              <a:rPr lang="en-US" b="1" dirty="0" smtClean="0">
+                <a:solidFill>
+                  <a:schemeClr val="tx1">
+                    <a:lumMod val="50000"/>
+                    <a:lumOff val="50000"/>
+                  </a:schemeClr>
+                </a:solidFill>
+              </a:rPr>
+              <a:t>if</a:t>
+            </a:r>
+          </a:p>
+          <a:p>
+            <a:r>
+              <a:rPr lang="en-US" b="1" dirty="0" smtClean="0">
+                <a:solidFill>
+                  <a:schemeClr val="tx1">
+                    <a:lumMod val="50000"/>
+                    <a:lumOff val="50000"/>
+                  </a:schemeClr>
+                </a:solidFill>
+              </a:rPr>
+              <a:t>    </a:t>
+            </a:r>
+            <a:r>
+              <a:rPr lang="en-US" sz="1600" dirty="0" smtClean="0">
+                <a:solidFill>
+                  <a:schemeClr val="tx1">
+                    <a:lumMod val="50000"/>
+                    <a:lumOff val="50000"/>
+                  </a:schemeClr>
+                </a:solidFill>
+              </a:rPr>
+              <a:t>-</a:t>
+            </a:r>
+            <a:r>
+              <a:rPr lang="en-US" sz="1600" b="1" dirty="0" smtClean="0">
+                <a:solidFill>
+                  <a:schemeClr val="tx1">
+                    <a:lumMod val="50000"/>
+                    <a:lumOff val="50000"/>
+                  </a:schemeClr>
+                </a:solidFill>
+              </a:rPr>
+              <a:t> </a:t>
+            </a:r>
+            <a:r>
+              <a:rPr lang="en-US" sz="1600" dirty="0">
+                <a:solidFill>
+                  <a:schemeClr val="tx1">
+                    <a:lumMod val="50000"/>
+                    <a:lumOff val="50000"/>
+                  </a:schemeClr>
+                </a:solidFill>
+              </a:rPr>
+              <a:t>node</a:t>
+            </a:r>
+            <a:r>
+              <a:rPr lang="en-US" sz="1600" b="1" dirty="0">
+                <a:solidFill>
+                  <a:schemeClr val="tx1">
+                    <a:lumMod val="50000"/>
+                    <a:lumOff val="50000"/>
+                  </a:schemeClr>
+                </a:solidFill>
+              </a:rPr>
+              <a:t> </a:t>
+            </a:r>
+            <a:r>
+              <a:rPr lang="en-US" sz="1600" dirty="0">
+                <a:solidFill>
+                  <a:schemeClr val="tx1">
+                    <a:lumMod val="50000"/>
+                    <a:lumOff val="50000"/>
+                  </a:schemeClr>
+                </a:solidFill>
+              </a:rPr>
+              <a:t>is not yet visited</a:t>
+            </a:r>
+          </a:p>
+          <a:p>
+            <a:r>
+              <a:rPr lang="en-US" sz="1600" dirty="0" smtClean="0">
+                <a:solidFill>
+                  <a:schemeClr val="tx1">
+                    <a:lumMod val="50000"/>
+                    <a:lumOff val="50000"/>
+                  </a:schemeClr>
+                </a:solidFill>
+              </a:rPr>
+              <a:t>     - node is connected to another node (there is an edge from u to v )</a:t>
+            </a:r>
+          </a:p>
+          <a:p>
+            <a:r>
+              <a:rPr lang="en-US" sz="1600" dirty="0">
+                <a:solidFill>
+                  <a:schemeClr val="tx1">
+                    <a:lumMod val="50000"/>
+                    <a:lumOff val="50000"/>
+                  </a:schemeClr>
+                </a:solidFill>
+              </a:rPr>
+              <a:t> </a:t>
+            </a:r>
+            <a:r>
+              <a:rPr lang="en-US" sz="1600" dirty="0" smtClean="0">
+                <a:solidFill>
+                  <a:schemeClr val="tx1">
+                    <a:lumMod val="50000"/>
+                    <a:lumOff val="50000"/>
+                  </a:schemeClr>
+                </a:solidFill>
+              </a:rPr>
+              <a:t>    - the total weight of path from </a:t>
+            </a:r>
+            <a:r>
+              <a:rPr lang="en-US" sz="1600" dirty="0" err="1" smtClean="0">
+                <a:solidFill>
+                  <a:schemeClr val="tx1">
+                    <a:lumMod val="50000"/>
+                    <a:lumOff val="50000"/>
+                  </a:schemeClr>
+                </a:solidFill>
+              </a:rPr>
+              <a:t>src</a:t>
+            </a:r>
+            <a:r>
+              <a:rPr lang="en-US" sz="1600" dirty="0" smtClean="0">
+                <a:solidFill>
+                  <a:schemeClr val="tx1">
+                    <a:lumMod val="50000"/>
+                    <a:lumOff val="50000"/>
+                  </a:schemeClr>
+                </a:solidFill>
+              </a:rPr>
+              <a:t> to v through u is smaller that     </a:t>
+            </a:r>
+          </a:p>
+          <a:p>
+            <a:r>
+              <a:rPr lang="en-US" sz="1600" dirty="0">
+                <a:solidFill>
+                  <a:schemeClr val="tx1">
+                    <a:lumMod val="50000"/>
+                    <a:lumOff val="50000"/>
+                  </a:schemeClr>
+                </a:solidFill>
+              </a:rPr>
+              <a:t> </a:t>
+            </a:r>
+            <a:r>
+              <a:rPr lang="en-US" sz="1600" dirty="0" smtClean="0">
+                <a:solidFill>
+                  <a:schemeClr val="tx1">
+                    <a:lumMod val="50000"/>
+                    <a:lumOff val="50000"/>
+                  </a:schemeClr>
+                </a:solidFill>
+              </a:rPr>
+              <a:t>      current value of </a:t>
+            </a:r>
+            <a:r>
+              <a:rPr lang="en-US" sz="1600" dirty="0" err="1" smtClean="0">
+                <a:solidFill>
+                  <a:schemeClr val="tx1">
+                    <a:lumMod val="50000"/>
+                    <a:lumOff val="50000"/>
+                  </a:schemeClr>
+                </a:solidFill>
+              </a:rPr>
+              <a:t>dist</a:t>
+            </a:r>
+            <a:r>
+              <a:rPr lang="en-US" sz="1600" dirty="0" smtClean="0">
+                <a:solidFill>
+                  <a:schemeClr val="tx1">
+                    <a:lumMod val="50000"/>
+                    <a:lumOff val="50000"/>
+                  </a:schemeClr>
+                </a:solidFill>
+              </a:rPr>
+              <a:t>[v]</a:t>
+            </a:r>
+          </a:p>
+          <a:p>
+            <a:r>
+              <a:rPr lang="en-US" dirty="0">
+                <a:solidFill>
+                  <a:schemeClr val="tx1">
+                    <a:lumMod val="50000"/>
+                    <a:lumOff val="50000"/>
+                  </a:schemeClr>
+                </a:solidFill>
+              </a:rPr>
+              <a:t> </a:t>
+            </a:r>
+            <a:r>
+              <a:rPr lang="en-US" dirty="0" smtClean="0">
+                <a:solidFill>
+                  <a:schemeClr val="tx1">
+                    <a:lumMod val="50000"/>
+                    <a:lumOff val="50000"/>
+                  </a:schemeClr>
+                </a:solidFill>
+              </a:rPr>
+              <a:t>    </a:t>
+            </a:r>
+            <a:endParaRPr lang="en-US" dirty="0"/>
+          </a:p>
+        </p:txBody>
+      </p:sp>
+      <p:sp>
+        <p:nvSpPr>
+          <p:cNvPr id="5" name="Rectangle 4"/>
+          <p:cNvSpPr/>
+          <p:nvPr/>
+        </p:nvSpPr>
+        <p:spPr>
+          <a:xfrm>
+            <a:off x="5696337" y="3921400"/>
+            <a:ext cx="5980676" cy="369332"/>
           </a:xfrm>
           <a:prstGeom prst="rect">
             <a:avLst/>
@@ -5915,210 +7897,325 @@
           <a:lstStyle/>
           <a:p>
             <a:r>
-              <a:rPr lang="en-US" dirty="0" smtClean="0">
-                <a:solidFill>
-                  <a:schemeClr val="tx1">
-                    <a:lumMod val="50000"/>
-                    <a:lumOff val="50000"/>
-                  </a:schemeClr>
-                </a:solidFill>
-              </a:rPr>
-              <a:t>Initial Graph</a:t>
-            </a:r>
-            <a:endParaRPr lang="en-US" dirty="0">
-              <a:solidFill>
-                <a:schemeClr val="tx1">
-                  <a:lumMod val="50000"/>
-                  <a:lumOff val="50000"/>
-                </a:schemeClr>
-              </a:solidFill>
-            </a:endParaRPr>
-          </a:p>
-        </p:txBody>
-      </p:sp>
-      <p:sp>
-        <p:nvSpPr>
-          <p:cNvPr id="19" name="Rectangle 18"/>
+              <a:rPr lang="en-US" dirty="0">
+                <a:solidFill>
+                  <a:schemeClr val="tx1">
+                    <a:lumMod val="50000"/>
+                    <a:lumOff val="50000"/>
+                  </a:schemeClr>
+                </a:solidFill>
+              </a:rPr>
+              <a:t>In this loop, we need to update </a:t>
+            </a:r>
+            <a:r>
+              <a:rPr lang="en-US" b="1" dirty="0" err="1">
+                <a:solidFill>
+                  <a:schemeClr val="tx1">
+                    <a:lumMod val="50000"/>
+                    <a:lumOff val="50000"/>
+                  </a:schemeClr>
+                </a:solidFill>
+              </a:rPr>
+              <a:t>dist</a:t>
+            </a:r>
+            <a:r>
+              <a:rPr lang="en-US" dirty="0">
+                <a:solidFill>
+                  <a:schemeClr val="tx1">
+                    <a:lumMod val="50000"/>
+                    <a:lumOff val="50000"/>
+                  </a:schemeClr>
+                </a:solidFill>
+              </a:rPr>
+              <a:t> ( array of shortest paths ) </a:t>
+            </a:r>
+          </a:p>
+        </p:txBody>
+      </p:sp>
+      <p:cxnSp>
+        <p:nvCxnSpPr>
+          <p:cNvPr id="17" name="Straight Connector 16"/>
+          <p:cNvCxnSpPr/>
+          <p:nvPr/>
+        </p:nvCxnSpPr>
+        <p:spPr>
+          <a:xfrm>
+            <a:off x="1562162" y="4279871"/>
+            <a:ext cx="0" cy="1096801"/>
+          </a:xfrm>
+          <a:prstGeom prst="line">
+            <a:avLst/>
+          </a:prstGeom>
+        </p:spPr>
+        <p:style>
+          <a:lnRef idx="1">
+            <a:schemeClr val="accent1"/>
+          </a:lnRef>
+          <a:fillRef idx="0">
+            <a:schemeClr val="accent1"/>
+          </a:fillRef>
+          <a:effectRef idx="0">
+            <a:schemeClr val="accent1"/>
+          </a:effectRef>
+          <a:fontRef idx="minor">
+            <a:schemeClr val="tx1"/>
+          </a:fontRef>
+        </p:style>
+      </p:cxnSp>
+      <p:cxnSp>
+        <p:nvCxnSpPr>
+          <p:cNvPr id="15" name="Straight Arrow Connector 14"/>
+          <p:cNvCxnSpPr/>
+          <p:nvPr/>
+        </p:nvCxnSpPr>
+        <p:spPr>
+          <a:xfrm>
+            <a:off x="451339" y="4459646"/>
+            <a:ext cx="1036993" cy="0"/>
+          </a:xfrm>
+          <a:prstGeom prst="straightConnector1">
+            <a:avLst/>
+          </a:prstGeom>
+          <a:ln>
+            <a:tailEnd type="triangle"/>
+          </a:ln>
+        </p:spPr>
+        <p:style>
+          <a:lnRef idx="1">
+            <a:schemeClr val="accent1"/>
+          </a:lnRef>
+          <a:fillRef idx="0">
+            <a:schemeClr val="accent1"/>
+          </a:fillRef>
+          <a:effectRef idx="0">
+            <a:schemeClr val="accent1"/>
+          </a:effectRef>
+          <a:fontRef idx="minor">
+            <a:schemeClr val="tx1"/>
+          </a:fontRef>
+        </p:style>
+      </p:cxnSp>
+      <p:pic>
+        <p:nvPicPr>
+          <p:cNvPr id="10" name="Picture 9"/>
+          <p:cNvPicPr>
+            <a:picLocks noChangeAspect="1"/>
+          </p:cNvPicPr>
+          <p:nvPr/>
+        </p:nvPicPr>
+        <p:blipFill>
+          <a:blip r:embed="rId3"/>
+          <a:stretch>
+            <a:fillRect/>
+          </a:stretch>
+        </p:blipFill>
+        <p:spPr>
+          <a:xfrm>
+            <a:off x="6108580" y="1374972"/>
+            <a:ext cx="4058216" cy="2248214"/>
+          </a:xfrm>
+          <a:prstGeom prst="rect">
+            <a:avLst/>
+          </a:prstGeom>
+        </p:spPr>
+      </p:pic>
+      <p:sp>
+        <p:nvSpPr>
+          <p:cNvPr id="11" name="Oval 10"/>
           <p:cNvSpPr/>
           <p:nvPr/>
         </p:nvSpPr>
         <p:spPr>
           <a:xfrm>
-            <a:off x="9183906" y="4179900"/>
-            <a:ext cx="1531894" cy="369332"/>
+            <a:off x="6226059" y="2298017"/>
+            <a:ext cx="603227" cy="548640"/>
+          </a:xfrm>
+          <a:prstGeom prst="ellipse">
+            <a:avLst/>
+          </a:prstGeom>
+          <a:noFill/>
+        </p:spPr>
+        <p:style>
+          <a:lnRef idx="2">
+            <a:schemeClr val="accent6"/>
+          </a:lnRef>
+          <a:fillRef idx="1">
+            <a:schemeClr val="lt1"/>
+          </a:fillRef>
+          <a:effectRef idx="0">
+            <a:schemeClr val="accent6"/>
+          </a:effectRef>
+          <a:fontRef idx="minor">
+            <a:schemeClr val="dk1"/>
+          </a:fontRef>
+        </p:style>
+        <p:txBody>
+          <a:bodyPr rtlCol="0" anchor="ctr"/>
+          <a:lstStyle/>
+          <a:p>
+            <a:pPr algn="ctr"/>
+            <a:endParaRPr lang="en-US"/>
+          </a:p>
+        </p:txBody>
+      </p:sp>
+      <p:sp>
+        <p:nvSpPr>
+          <p:cNvPr id="13" name="Oval 12"/>
+          <p:cNvSpPr/>
+          <p:nvPr/>
+        </p:nvSpPr>
+        <p:spPr>
+          <a:xfrm>
+            <a:off x="6933630" y="1608495"/>
+            <a:ext cx="603227" cy="548640"/>
+          </a:xfrm>
+          <a:prstGeom prst="ellipse">
+            <a:avLst/>
+          </a:prstGeom>
+          <a:noFill/>
+          <a:ln>
+            <a:solidFill>
+              <a:schemeClr val="accent4"/>
+            </a:solidFill>
+          </a:ln>
+        </p:spPr>
+        <p:style>
+          <a:lnRef idx="2">
+            <a:schemeClr val="accent6"/>
+          </a:lnRef>
+          <a:fillRef idx="1">
+            <a:schemeClr val="lt1"/>
+          </a:fillRef>
+          <a:effectRef idx="0">
+            <a:schemeClr val="accent6"/>
+          </a:effectRef>
+          <a:fontRef idx="minor">
+            <a:schemeClr val="dk1"/>
+          </a:fontRef>
+        </p:style>
+        <p:txBody>
+          <a:bodyPr rtlCol="0" anchor="ctr"/>
+          <a:lstStyle/>
+          <a:p>
+            <a:pPr algn="ctr"/>
+            <a:endParaRPr lang="en-US"/>
+          </a:p>
+        </p:txBody>
+      </p:sp>
+      <p:sp>
+        <p:nvSpPr>
+          <p:cNvPr id="14" name="Oval 13"/>
+          <p:cNvSpPr/>
+          <p:nvPr/>
+        </p:nvSpPr>
+        <p:spPr>
+          <a:xfrm>
+            <a:off x="9505062" y="2224759"/>
+            <a:ext cx="603227" cy="548640"/>
+          </a:xfrm>
+          <a:prstGeom prst="ellipse">
+            <a:avLst/>
+          </a:prstGeom>
+          <a:noFill/>
+          <a:ln>
+            <a:solidFill>
+              <a:srgbClr val="FF0000"/>
+            </a:solidFill>
+          </a:ln>
+        </p:spPr>
+        <p:style>
+          <a:lnRef idx="2">
+            <a:schemeClr val="accent6"/>
+          </a:lnRef>
+          <a:fillRef idx="1">
+            <a:schemeClr val="lt1"/>
+          </a:fillRef>
+          <a:effectRef idx="0">
+            <a:schemeClr val="accent6"/>
+          </a:effectRef>
+          <a:fontRef idx="minor">
+            <a:schemeClr val="dk1"/>
+          </a:fontRef>
+        </p:style>
+        <p:txBody>
+          <a:bodyPr rtlCol="0" anchor="ctr"/>
+          <a:lstStyle/>
+          <a:p>
+            <a:pPr algn="ctr"/>
+            <a:endParaRPr lang="en-US"/>
+          </a:p>
+        </p:txBody>
+      </p:sp>
+      <p:sp>
+        <p:nvSpPr>
+          <p:cNvPr id="3" name="TextBox 2"/>
+          <p:cNvSpPr txBox="1"/>
+          <p:nvPr/>
+        </p:nvSpPr>
+        <p:spPr>
+          <a:xfrm>
+            <a:off x="9669432" y="1641881"/>
+            <a:ext cx="2129109" cy="276999"/>
           </a:xfrm>
           <a:prstGeom prst="rect">
             <a:avLst/>
           </a:prstGeom>
-        </p:spPr>
-        <p:txBody>
-          <a:bodyPr wrap="none">
+          <a:noFill/>
+        </p:spPr>
+        <p:txBody>
+          <a:bodyPr wrap="none" rtlCol="0">
             <a:spAutoFit/>
           </a:bodyPr>
           <a:lstStyle/>
           <a:p>
             <a:r>
-              <a:rPr lang="en-US" dirty="0" smtClean="0">
-                <a:solidFill>
-                  <a:schemeClr val="tx1">
-                    <a:lumMod val="50000"/>
-                    <a:lumOff val="50000"/>
-                  </a:schemeClr>
-                </a:solidFill>
-              </a:rPr>
-              <a:t>Shortest Paths</a:t>
-            </a:r>
-            <a:endParaRPr lang="en-US" dirty="0">
-              <a:solidFill>
-                <a:schemeClr val="tx1">
-                  <a:lumMod val="50000"/>
-                  <a:lumOff val="50000"/>
-                </a:schemeClr>
-              </a:solidFill>
-            </a:endParaRPr>
-          </a:p>
-        </p:txBody>
-      </p:sp>
-      <p:sp>
-        <p:nvSpPr>
-          <p:cNvPr id="20" name="Rectangle 19"/>
-          <p:cNvSpPr/>
-          <p:nvPr/>
-        </p:nvSpPr>
-        <p:spPr>
-          <a:xfrm>
-            <a:off x="130425" y="1533665"/>
-            <a:ext cx="5920179" cy="3139321"/>
-          </a:xfrm>
-          <a:prstGeom prst="rect">
-            <a:avLst/>
-          </a:prstGeom>
-        </p:spPr>
-        <p:txBody>
-          <a:bodyPr wrap="square">
-            <a:spAutoFit/>
-          </a:bodyPr>
-          <a:lstStyle/>
-          <a:p>
-            <a:r>
-              <a:rPr lang="en-US" dirty="0" smtClean="0">
-                <a:solidFill>
-                  <a:schemeClr val="tx1">
-                    <a:lumMod val="50000"/>
-                    <a:lumOff val="50000"/>
-                  </a:schemeClr>
-                </a:solidFill>
-              </a:rPr>
-              <a:t>1) The </a:t>
-            </a:r>
-            <a:r>
-              <a:rPr lang="en-US" dirty="0">
-                <a:solidFill>
-                  <a:schemeClr val="tx1">
-                    <a:lumMod val="50000"/>
-                    <a:lumOff val="50000"/>
-                  </a:schemeClr>
-                </a:solidFill>
-              </a:rPr>
-              <a:t>code calculates shortest distance, but doesn’t calculate the path information. We can create a parent array, update the parent array when distance is </a:t>
-            </a:r>
-            <a:r>
-              <a:rPr lang="en-US" dirty="0" smtClean="0">
-                <a:solidFill>
-                  <a:schemeClr val="tx1">
-                    <a:lumMod val="50000"/>
-                    <a:lumOff val="50000"/>
-                  </a:schemeClr>
-                </a:solidFill>
-              </a:rPr>
-              <a:t>updated.</a:t>
-            </a:r>
-          </a:p>
-          <a:p>
-            <a:pPr marL="342900" indent="-342900">
-              <a:buAutoNum type="arabicParenR"/>
-            </a:pPr>
-            <a:endParaRPr lang="en-US" dirty="0">
-              <a:solidFill>
-                <a:schemeClr val="tx1">
-                  <a:lumMod val="50000"/>
-                  <a:lumOff val="50000"/>
-                </a:schemeClr>
-              </a:solidFill>
-            </a:endParaRPr>
-          </a:p>
-          <a:p>
-            <a:r>
-              <a:rPr lang="en-US" dirty="0">
-                <a:solidFill>
-                  <a:schemeClr val="tx1">
-                    <a:lumMod val="50000"/>
-                    <a:lumOff val="50000"/>
-                  </a:schemeClr>
-                </a:solidFill>
-              </a:rPr>
-              <a:t>2) The code is for undirected graph, same </a:t>
-            </a:r>
-            <a:r>
-              <a:rPr lang="en-US" dirty="0" err="1">
-                <a:solidFill>
-                  <a:schemeClr val="tx1">
-                    <a:lumMod val="50000"/>
-                    <a:lumOff val="50000"/>
-                  </a:schemeClr>
-                </a:solidFill>
-              </a:rPr>
-              <a:t>dijekstra</a:t>
-            </a:r>
-            <a:r>
-              <a:rPr lang="en-US" dirty="0">
-                <a:solidFill>
-                  <a:schemeClr val="tx1">
-                    <a:lumMod val="50000"/>
-                    <a:lumOff val="50000"/>
-                  </a:schemeClr>
-                </a:solidFill>
-              </a:rPr>
-              <a:t> function can be used for directed graphs also.</a:t>
-            </a:r>
-          </a:p>
-          <a:p>
-            <a:endParaRPr lang="en-US" dirty="0">
-              <a:solidFill>
-                <a:schemeClr val="tx1">
-                  <a:lumMod val="50000"/>
-                  <a:lumOff val="50000"/>
-                </a:schemeClr>
-              </a:solidFill>
-            </a:endParaRPr>
-          </a:p>
-          <a:p>
-            <a:r>
-              <a:rPr lang="en-US" dirty="0">
-                <a:solidFill>
-                  <a:schemeClr val="tx1">
-                    <a:lumMod val="50000"/>
-                    <a:lumOff val="50000"/>
-                  </a:schemeClr>
-                </a:solidFill>
-              </a:rPr>
-              <a:t>3) The code finds shortest distances from source to all vertices. If we are interested only in shortest distance from source to a single target, we can break the for loop when the picked minimum distance vertex is equal to target</a:t>
-            </a:r>
-            <a:endParaRPr lang="en-US" dirty="0">
-              <a:solidFill>
-                <a:schemeClr val="tx1">
-                  <a:lumMod val="50000"/>
-                  <a:lumOff val="50000"/>
-                </a:schemeClr>
-              </a:solidFill>
-            </a:endParaRPr>
-          </a:p>
-        </p:txBody>
-      </p:sp>
+              <a:rPr lang="en-US" sz="1200" dirty="0" smtClean="0"/>
+              <a:t>No direct connection to node 4</a:t>
+            </a:r>
+            <a:endParaRPr lang="en-US" sz="1200" dirty="0"/>
+          </a:p>
+        </p:txBody>
+      </p:sp>
+      <p:cxnSp>
+        <p:nvCxnSpPr>
+          <p:cNvPr id="7" name="Straight Arrow Connector 6"/>
+          <p:cNvCxnSpPr/>
+          <p:nvPr/>
+        </p:nvCxnSpPr>
+        <p:spPr>
+          <a:xfrm flipH="1">
+            <a:off x="10024143" y="2015287"/>
+            <a:ext cx="168291" cy="189448"/>
+          </a:xfrm>
+          <a:prstGeom prst="straightConnector1">
+            <a:avLst/>
+          </a:prstGeom>
+          <a:ln>
+            <a:solidFill>
+              <a:srgbClr val="FF0000"/>
+            </a:solidFill>
+            <a:tailEnd type="triangle"/>
+          </a:ln>
+        </p:spPr>
+        <p:style>
+          <a:lnRef idx="1">
+            <a:schemeClr val="accent1"/>
+          </a:lnRef>
+          <a:fillRef idx="0">
+            <a:schemeClr val="accent1"/>
+          </a:fillRef>
+          <a:effectRef idx="0">
+            <a:schemeClr val="accent1"/>
+          </a:effectRef>
+          <a:fontRef idx="minor">
+            <a:schemeClr val="tx1"/>
+          </a:fontRef>
+        </p:style>
+      </p:cxnSp>
     </p:spTree>
     <p:extLst>
       <p:ext uri="{BB962C8B-B14F-4D97-AF65-F5344CB8AC3E}">
-        <p14:creationId xmlns:p14="http://schemas.microsoft.com/office/powerpoint/2010/main" val="637638278"/>
+        <p14:creationId xmlns:p14="http://schemas.microsoft.com/office/powerpoint/2010/main" val="2364397586"/>
       </p:ext>
     </p:extLst>
   </p:cSld>
@@ -6244,6 +8341,1359 @@
     <p:extLst>
       <p:ext uri="{BB962C8B-B14F-4D97-AF65-F5344CB8AC3E}">
         <p14:creationId xmlns:p14="http://schemas.microsoft.com/office/powerpoint/2010/main" val="2392114385"/>
+      </p:ext>
+    </p:extLst>
+  </p:cSld>
+  <p:clrMapOvr>
+    <a:masterClrMapping/>
+  </p:clrMapOvr>
+  <p:timing>
+    <p:tnLst>
+      <p:par>
+        <p:cTn id="1" dur="indefinite" restart="never" nodeType="tmRoot"/>
+      </p:par>
+    </p:tnLst>
+  </p:timing>
+</p:sld>
+</file>
+
+<file path=ppt/slides/slide20.xml><?xml version="1.0" encoding="utf-8"?>
+<p:sld xmlns:a="http://schemas.openxmlformats.org/drawingml/2006/main" xmlns:r="http://schemas.openxmlformats.org/officeDocument/2006/relationships" xmlns:p="http://schemas.openxmlformats.org/presentationml/2006/main">
+  <p:cSld>
+    <p:spTree>
+      <p:nvGrpSpPr>
+        <p:cNvPr id="1" name=""/>
+        <p:cNvGrpSpPr/>
+        <p:nvPr/>
+      </p:nvGrpSpPr>
+      <p:grpSpPr>
+        <a:xfrm>
+          <a:off x="0" y="0"/>
+          <a:ext cx="0" cy="0"/>
+          <a:chOff x="0" y="0"/>
+          <a:chExt cx="0" cy="0"/>
+        </a:xfrm>
+      </p:grpSpPr>
+      <p:pic>
+        <p:nvPicPr>
+          <p:cNvPr id="14" name="Picture 13"/>
+          <p:cNvPicPr>
+            <a:picLocks noChangeAspect="1"/>
+          </p:cNvPicPr>
+          <p:nvPr/>
+        </p:nvPicPr>
+        <p:blipFill>
+          <a:blip r:embed="rId2"/>
+          <a:stretch>
+            <a:fillRect/>
+          </a:stretch>
+        </p:blipFill>
+        <p:spPr>
+          <a:xfrm>
+            <a:off x="5989071" y="1273580"/>
+            <a:ext cx="4391638" cy="2457793"/>
+          </a:xfrm>
+          <a:prstGeom prst="rect">
+            <a:avLst/>
+          </a:prstGeom>
+        </p:spPr>
+      </p:pic>
+      <p:pic>
+        <p:nvPicPr>
+          <p:cNvPr id="4" name="Picture 3"/>
+          <p:cNvPicPr>
+            <a:picLocks noChangeAspect="1"/>
+          </p:cNvPicPr>
+          <p:nvPr/>
+        </p:nvPicPr>
+        <p:blipFill>
+          <a:blip r:embed="rId3"/>
+          <a:stretch>
+            <a:fillRect/>
+          </a:stretch>
+        </p:blipFill>
+        <p:spPr>
+          <a:xfrm>
+            <a:off x="945212" y="1678496"/>
+            <a:ext cx="5377463" cy="4283392"/>
+          </a:xfrm>
+          <a:prstGeom prst="rect">
+            <a:avLst/>
+          </a:prstGeom>
+        </p:spPr>
+      </p:pic>
+      <p:sp>
+        <p:nvSpPr>
+          <p:cNvPr id="2" name="Title 1"/>
+          <p:cNvSpPr>
+            <a:spLocks noGrp="1"/>
+          </p:cNvSpPr>
+          <p:nvPr>
+            <p:ph type="title"/>
+          </p:nvPr>
+        </p:nvSpPr>
+        <p:spPr/>
+        <p:txBody>
+          <a:bodyPr/>
+          <a:lstStyle/>
+          <a:p>
+            <a:r>
+              <a:rPr lang="en-US" dirty="0"/>
+              <a:t>C++ Code Sample – Step 3</a:t>
+            </a:r>
+          </a:p>
+        </p:txBody>
+      </p:sp>
+      <p:cxnSp>
+        <p:nvCxnSpPr>
+          <p:cNvPr id="18" name="Straight Connector 17"/>
+          <p:cNvCxnSpPr/>
+          <p:nvPr/>
+        </p:nvCxnSpPr>
+        <p:spPr>
+          <a:xfrm>
+            <a:off x="1195754" y="3423125"/>
+            <a:ext cx="0" cy="1953547"/>
+          </a:xfrm>
+          <a:prstGeom prst="line">
+            <a:avLst/>
+          </a:prstGeom>
+          <a:ln>
+            <a:solidFill>
+              <a:schemeClr val="accent1">
+                <a:lumMod val="20000"/>
+                <a:lumOff val="80000"/>
+              </a:schemeClr>
+            </a:solidFill>
+          </a:ln>
+        </p:spPr>
+        <p:style>
+          <a:lnRef idx="1">
+            <a:schemeClr val="accent1"/>
+          </a:lnRef>
+          <a:fillRef idx="0">
+            <a:schemeClr val="accent1"/>
+          </a:fillRef>
+          <a:effectRef idx="0">
+            <a:schemeClr val="accent1"/>
+          </a:effectRef>
+          <a:fontRef idx="minor">
+            <a:schemeClr val="tx1"/>
+          </a:fontRef>
+        </p:style>
+      </p:cxnSp>
+      <p:cxnSp>
+        <p:nvCxnSpPr>
+          <p:cNvPr id="21" name="Straight Arrow Connector 20"/>
+          <p:cNvCxnSpPr/>
+          <p:nvPr/>
+        </p:nvCxnSpPr>
+        <p:spPr>
+          <a:xfrm flipH="1">
+            <a:off x="4126239" y="4106066"/>
+            <a:ext cx="1570098" cy="184666"/>
+          </a:xfrm>
+          <a:prstGeom prst="straightConnector1">
+            <a:avLst/>
+          </a:prstGeom>
+          <a:ln>
+            <a:tailEnd type="triangle"/>
+          </a:ln>
+        </p:spPr>
+        <p:style>
+          <a:lnRef idx="1">
+            <a:schemeClr val="accent1"/>
+          </a:lnRef>
+          <a:fillRef idx="0">
+            <a:schemeClr val="accent1"/>
+          </a:fillRef>
+          <a:effectRef idx="0">
+            <a:schemeClr val="accent1"/>
+          </a:effectRef>
+          <a:fontRef idx="minor">
+            <a:schemeClr val="tx1"/>
+          </a:fontRef>
+        </p:style>
+      </p:cxnSp>
+      <p:sp>
+        <p:nvSpPr>
+          <p:cNvPr id="12" name="Rectangle 11"/>
+          <p:cNvSpPr/>
+          <p:nvPr/>
+        </p:nvSpPr>
+        <p:spPr>
+          <a:xfrm>
+            <a:off x="5923755" y="4279871"/>
+            <a:ext cx="6107791" cy="1661993"/>
+          </a:xfrm>
+          <a:prstGeom prst="rect">
+            <a:avLst/>
+          </a:prstGeom>
+        </p:spPr>
+        <p:txBody>
+          <a:bodyPr wrap="square">
+            <a:spAutoFit/>
+          </a:bodyPr>
+          <a:lstStyle/>
+          <a:p>
+            <a:r>
+              <a:rPr lang="en-US" b="1" dirty="0">
+                <a:solidFill>
+                  <a:schemeClr val="tx1">
+                    <a:lumMod val="50000"/>
+                    <a:lumOff val="50000"/>
+                  </a:schemeClr>
+                </a:solidFill>
+              </a:rPr>
+              <a:t> </a:t>
+            </a:r>
+            <a:r>
+              <a:rPr lang="en-US" b="1" dirty="0" smtClean="0">
+                <a:solidFill>
+                  <a:schemeClr val="tx1">
+                    <a:lumMod val="50000"/>
+                    <a:lumOff val="50000"/>
+                  </a:schemeClr>
+                </a:solidFill>
+              </a:rPr>
+              <a:t>if</a:t>
+            </a:r>
+          </a:p>
+          <a:p>
+            <a:r>
+              <a:rPr lang="en-US" b="1" dirty="0" smtClean="0">
+                <a:solidFill>
+                  <a:schemeClr val="tx1">
+                    <a:lumMod val="50000"/>
+                    <a:lumOff val="50000"/>
+                  </a:schemeClr>
+                </a:solidFill>
+              </a:rPr>
+              <a:t>    </a:t>
+            </a:r>
+            <a:r>
+              <a:rPr lang="en-US" sz="1600" dirty="0" smtClean="0">
+                <a:solidFill>
+                  <a:schemeClr val="tx1">
+                    <a:lumMod val="50000"/>
+                    <a:lumOff val="50000"/>
+                  </a:schemeClr>
+                </a:solidFill>
+              </a:rPr>
+              <a:t>-</a:t>
+            </a:r>
+            <a:r>
+              <a:rPr lang="en-US" sz="1600" b="1" dirty="0" smtClean="0">
+                <a:solidFill>
+                  <a:schemeClr val="tx1">
+                    <a:lumMod val="50000"/>
+                    <a:lumOff val="50000"/>
+                  </a:schemeClr>
+                </a:solidFill>
+              </a:rPr>
+              <a:t> </a:t>
+            </a:r>
+            <a:r>
+              <a:rPr lang="en-US" sz="1600" dirty="0">
+                <a:solidFill>
+                  <a:schemeClr val="tx1">
+                    <a:lumMod val="50000"/>
+                    <a:lumOff val="50000"/>
+                  </a:schemeClr>
+                </a:solidFill>
+              </a:rPr>
+              <a:t>node</a:t>
+            </a:r>
+            <a:r>
+              <a:rPr lang="en-US" sz="1600" b="1" dirty="0">
+                <a:solidFill>
+                  <a:schemeClr val="tx1">
+                    <a:lumMod val="50000"/>
+                    <a:lumOff val="50000"/>
+                  </a:schemeClr>
+                </a:solidFill>
+              </a:rPr>
+              <a:t> </a:t>
+            </a:r>
+            <a:r>
+              <a:rPr lang="en-US" sz="1600" dirty="0">
+                <a:solidFill>
+                  <a:schemeClr val="tx1">
+                    <a:lumMod val="50000"/>
+                    <a:lumOff val="50000"/>
+                  </a:schemeClr>
+                </a:solidFill>
+              </a:rPr>
+              <a:t>is not yet visited</a:t>
+            </a:r>
+          </a:p>
+          <a:p>
+            <a:r>
+              <a:rPr lang="en-US" sz="1600" dirty="0" smtClean="0">
+                <a:solidFill>
+                  <a:schemeClr val="tx1">
+                    <a:lumMod val="50000"/>
+                    <a:lumOff val="50000"/>
+                  </a:schemeClr>
+                </a:solidFill>
+              </a:rPr>
+              <a:t>     - node is connected to another node (there is an edge from u to v )</a:t>
+            </a:r>
+          </a:p>
+          <a:p>
+            <a:r>
+              <a:rPr lang="en-US" sz="1600" dirty="0">
+                <a:solidFill>
+                  <a:schemeClr val="tx1">
+                    <a:lumMod val="50000"/>
+                    <a:lumOff val="50000"/>
+                  </a:schemeClr>
+                </a:solidFill>
+              </a:rPr>
+              <a:t> </a:t>
+            </a:r>
+            <a:r>
+              <a:rPr lang="en-US" sz="1600" dirty="0" smtClean="0">
+                <a:solidFill>
+                  <a:schemeClr val="tx1">
+                    <a:lumMod val="50000"/>
+                    <a:lumOff val="50000"/>
+                  </a:schemeClr>
+                </a:solidFill>
+              </a:rPr>
+              <a:t>    - the total weight of path from </a:t>
+            </a:r>
+            <a:r>
+              <a:rPr lang="en-US" sz="1600" dirty="0" err="1" smtClean="0">
+                <a:solidFill>
+                  <a:schemeClr val="tx1">
+                    <a:lumMod val="50000"/>
+                    <a:lumOff val="50000"/>
+                  </a:schemeClr>
+                </a:solidFill>
+              </a:rPr>
+              <a:t>src</a:t>
+            </a:r>
+            <a:r>
+              <a:rPr lang="en-US" sz="1600" dirty="0" smtClean="0">
+                <a:solidFill>
+                  <a:schemeClr val="tx1">
+                    <a:lumMod val="50000"/>
+                    <a:lumOff val="50000"/>
+                  </a:schemeClr>
+                </a:solidFill>
+              </a:rPr>
+              <a:t> to v through u is smaller that     </a:t>
+            </a:r>
+          </a:p>
+          <a:p>
+            <a:r>
+              <a:rPr lang="en-US" sz="1600" dirty="0">
+                <a:solidFill>
+                  <a:schemeClr val="tx1">
+                    <a:lumMod val="50000"/>
+                    <a:lumOff val="50000"/>
+                  </a:schemeClr>
+                </a:solidFill>
+              </a:rPr>
+              <a:t> </a:t>
+            </a:r>
+            <a:r>
+              <a:rPr lang="en-US" sz="1600" dirty="0" smtClean="0">
+                <a:solidFill>
+                  <a:schemeClr val="tx1">
+                    <a:lumMod val="50000"/>
+                    <a:lumOff val="50000"/>
+                  </a:schemeClr>
+                </a:solidFill>
+              </a:rPr>
+              <a:t>      current value of </a:t>
+            </a:r>
+            <a:r>
+              <a:rPr lang="en-US" sz="1600" dirty="0" err="1" smtClean="0">
+                <a:solidFill>
+                  <a:schemeClr val="tx1">
+                    <a:lumMod val="50000"/>
+                    <a:lumOff val="50000"/>
+                  </a:schemeClr>
+                </a:solidFill>
+              </a:rPr>
+              <a:t>dist</a:t>
+            </a:r>
+            <a:r>
+              <a:rPr lang="en-US" sz="1600" dirty="0" smtClean="0">
+                <a:solidFill>
+                  <a:schemeClr val="tx1">
+                    <a:lumMod val="50000"/>
+                    <a:lumOff val="50000"/>
+                  </a:schemeClr>
+                </a:solidFill>
+              </a:rPr>
+              <a:t>[v]</a:t>
+            </a:r>
+          </a:p>
+          <a:p>
+            <a:r>
+              <a:rPr lang="en-US" dirty="0">
+                <a:solidFill>
+                  <a:schemeClr val="tx1">
+                    <a:lumMod val="50000"/>
+                    <a:lumOff val="50000"/>
+                  </a:schemeClr>
+                </a:solidFill>
+              </a:rPr>
+              <a:t> </a:t>
+            </a:r>
+            <a:r>
+              <a:rPr lang="en-US" dirty="0" smtClean="0">
+                <a:solidFill>
+                  <a:schemeClr val="tx1">
+                    <a:lumMod val="50000"/>
+                    <a:lumOff val="50000"/>
+                  </a:schemeClr>
+                </a:solidFill>
+              </a:rPr>
+              <a:t>    </a:t>
+            </a:r>
+            <a:endParaRPr lang="en-US" dirty="0"/>
+          </a:p>
+        </p:txBody>
+      </p:sp>
+      <p:sp>
+        <p:nvSpPr>
+          <p:cNvPr id="5" name="Rectangle 4"/>
+          <p:cNvSpPr/>
+          <p:nvPr/>
+        </p:nvSpPr>
+        <p:spPr>
+          <a:xfrm>
+            <a:off x="5696337" y="3921400"/>
+            <a:ext cx="5980676" cy="369332"/>
+          </a:xfrm>
+          <a:prstGeom prst="rect">
+            <a:avLst/>
+          </a:prstGeom>
+        </p:spPr>
+        <p:txBody>
+          <a:bodyPr wrap="none">
+            <a:spAutoFit/>
+          </a:bodyPr>
+          <a:lstStyle/>
+          <a:p>
+            <a:r>
+              <a:rPr lang="en-US" dirty="0">
+                <a:solidFill>
+                  <a:schemeClr val="tx1">
+                    <a:lumMod val="50000"/>
+                    <a:lumOff val="50000"/>
+                  </a:schemeClr>
+                </a:solidFill>
+              </a:rPr>
+              <a:t>In this loop, we need to update </a:t>
+            </a:r>
+            <a:r>
+              <a:rPr lang="en-US" b="1" dirty="0" err="1">
+                <a:solidFill>
+                  <a:schemeClr val="tx1">
+                    <a:lumMod val="50000"/>
+                    <a:lumOff val="50000"/>
+                  </a:schemeClr>
+                </a:solidFill>
+              </a:rPr>
+              <a:t>dist</a:t>
+            </a:r>
+            <a:r>
+              <a:rPr lang="en-US" dirty="0">
+                <a:solidFill>
+                  <a:schemeClr val="tx1">
+                    <a:lumMod val="50000"/>
+                    <a:lumOff val="50000"/>
+                  </a:schemeClr>
+                </a:solidFill>
+              </a:rPr>
+              <a:t> ( array of shortest paths ) </a:t>
+            </a:r>
+          </a:p>
+        </p:txBody>
+      </p:sp>
+      <p:cxnSp>
+        <p:nvCxnSpPr>
+          <p:cNvPr id="17" name="Straight Connector 16"/>
+          <p:cNvCxnSpPr/>
+          <p:nvPr/>
+        </p:nvCxnSpPr>
+        <p:spPr>
+          <a:xfrm>
+            <a:off x="1562162" y="4279871"/>
+            <a:ext cx="0" cy="1096801"/>
+          </a:xfrm>
+          <a:prstGeom prst="line">
+            <a:avLst/>
+          </a:prstGeom>
+        </p:spPr>
+        <p:style>
+          <a:lnRef idx="1">
+            <a:schemeClr val="accent1"/>
+          </a:lnRef>
+          <a:fillRef idx="0">
+            <a:schemeClr val="accent1"/>
+          </a:fillRef>
+          <a:effectRef idx="0">
+            <a:schemeClr val="accent1"/>
+          </a:effectRef>
+          <a:fontRef idx="minor">
+            <a:schemeClr val="tx1"/>
+          </a:fontRef>
+        </p:style>
+      </p:cxnSp>
+      <p:cxnSp>
+        <p:nvCxnSpPr>
+          <p:cNvPr id="15" name="Straight Arrow Connector 14"/>
+          <p:cNvCxnSpPr/>
+          <p:nvPr/>
+        </p:nvCxnSpPr>
+        <p:spPr>
+          <a:xfrm>
+            <a:off x="451339" y="4459646"/>
+            <a:ext cx="1036993" cy="0"/>
+          </a:xfrm>
+          <a:prstGeom prst="straightConnector1">
+            <a:avLst/>
+          </a:prstGeom>
+          <a:ln>
+            <a:tailEnd type="triangle"/>
+          </a:ln>
+        </p:spPr>
+        <p:style>
+          <a:lnRef idx="1">
+            <a:schemeClr val="accent1"/>
+          </a:lnRef>
+          <a:fillRef idx="0">
+            <a:schemeClr val="accent1"/>
+          </a:fillRef>
+          <a:effectRef idx="0">
+            <a:schemeClr val="accent1"/>
+          </a:effectRef>
+          <a:fontRef idx="minor">
+            <a:schemeClr val="tx1"/>
+          </a:fontRef>
+        </p:style>
+      </p:cxnSp>
+      <p:sp>
+        <p:nvSpPr>
+          <p:cNvPr id="11" name="Oval 10"/>
+          <p:cNvSpPr/>
+          <p:nvPr/>
+        </p:nvSpPr>
+        <p:spPr>
+          <a:xfrm>
+            <a:off x="6226059" y="2298017"/>
+            <a:ext cx="603227" cy="548640"/>
+          </a:xfrm>
+          <a:prstGeom prst="ellipse">
+            <a:avLst/>
+          </a:prstGeom>
+          <a:noFill/>
+        </p:spPr>
+        <p:style>
+          <a:lnRef idx="2">
+            <a:schemeClr val="accent6"/>
+          </a:lnRef>
+          <a:fillRef idx="1">
+            <a:schemeClr val="lt1"/>
+          </a:fillRef>
+          <a:effectRef idx="0">
+            <a:schemeClr val="accent6"/>
+          </a:effectRef>
+          <a:fontRef idx="minor">
+            <a:schemeClr val="dk1"/>
+          </a:fontRef>
+        </p:style>
+        <p:txBody>
+          <a:bodyPr rtlCol="0" anchor="ctr"/>
+          <a:lstStyle/>
+          <a:p>
+            <a:pPr algn="ctr"/>
+            <a:endParaRPr lang="en-US"/>
+          </a:p>
+        </p:txBody>
+      </p:sp>
+      <p:sp>
+        <p:nvSpPr>
+          <p:cNvPr id="13" name="Oval 12"/>
+          <p:cNvSpPr/>
+          <p:nvPr/>
+        </p:nvSpPr>
+        <p:spPr>
+          <a:xfrm>
+            <a:off x="6933630" y="1608495"/>
+            <a:ext cx="603227" cy="548640"/>
+          </a:xfrm>
+          <a:prstGeom prst="ellipse">
+            <a:avLst/>
+          </a:prstGeom>
+          <a:noFill/>
+          <a:ln>
+            <a:solidFill>
+              <a:schemeClr val="accent4"/>
+            </a:solidFill>
+          </a:ln>
+        </p:spPr>
+        <p:style>
+          <a:lnRef idx="2">
+            <a:schemeClr val="accent6"/>
+          </a:lnRef>
+          <a:fillRef idx="1">
+            <a:schemeClr val="lt1"/>
+          </a:fillRef>
+          <a:effectRef idx="0">
+            <a:schemeClr val="accent6"/>
+          </a:effectRef>
+          <a:fontRef idx="minor">
+            <a:schemeClr val="dk1"/>
+          </a:fontRef>
+        </p:style>
+        <p:txBody>
+          <a:bodyPr rtlCol="0" anchor="ctr"/>
+          <a:lstStyle/>
+          <a:p>
+            <a:pPr algn="ctr"/>
+            <a:endParaRPr lang="en-US"/>
+          </a:p>
+        </p:txBody>
+      </p:sp>
+      <p:sp>
+        <p:nvSpPr>
+          <p:cNvPr id="16" name="Oval 15"/>
+          <p:cNvSpPr/>
+          <p:nvPr/>
+        </p:nvSpPr>
+        <p:spPr>
+          <a:xfrm>
+            <a:off x="6933630" y="2930353"/>
+            <a:ext cx="603227" cy="548640"/>
+          </a:xfrm>
+          <a:prstGeom prst="ellipse">
+            <a:avLst/>
+          </a:prstGeom>
+          <a:noFill/>
+          <a:ln>
+            <a:solidFill>
+              <a:schemeClr val="accent4"/>
+            </a:solidFill>
+          </a:ln>
+        </p:spPr>
+        <p:style>
+          <a:lnRef idx="2">
+            <a:schemeClr val="accent6"/>
+          </a:lnRef>
+          <a:fillRef idx="1">
+            <a:schemeClr val="lt1"/>
+          </a:fillRef>
+          <a:effectRef idx="0">
+            <a:schemeClr val="accent6"/>
+          </a:effectRef>
+          <a:fontRef idx="minor">
+            <a:schemeClr val="dk1"/>
+          </a:fontRef>
+        </p:style>
+        <p:txBody>
+          <a:bodyPr rtlCol="0" anchor="ctr"/>
+          <a:lstStyle/>
+          <a:p>
+            <a:pPr algn="ctr"/>
+            <a:endParaRPr lang="en-US"/>
+          </a:p>
+        </p:txBody>
+      </p:sp>
+    </p:spTree>
+    <p:extLst>
+      <p:ext uri="{BB962C8B-B14F-4D97-AF65-F5344CB8AC3E}">
+        <p14:creationId xmlns:p14="http://schemas.microsoft.com/office/powerpoint/2010/main" val="572412124"/>
+      </p:ext>
+    </p:extLst>
+  </p:cSld>
+  <p:clrMapOvr>
+    <a:masterClrMapping/>
+  </p:clrMapOvr>
+  <p:timing>
+    <p:tnLst>
+      <p:par>
+        <p:cTn id="1" dur="indefinite" restart="never" nodeType="tmRoot"/>
+      </p:par>
+    </p:tnLst>
+  </p:timing>
+</p:sld>
+</file>
+
+<file path=ppt/slides/slide21.xml><?xml version="1.0" encoding="utf-8"?>
+<p:sld xmlns:a="http://schemas.openxmlformats.org/drawingml/2006/main" xmlns:r="http://schemas.openxmlformats.org/officeDocument/2006/relationships" xmlns:p="http://schemas.openxmlformats.org/presentationml/2006/main">
+  <p:cSld>
+    <p:spTree>
+      <p:nvGrpSpPr>
+        <p:cNvPr id="1" name=""/>
+        <p:cNvGrpSpPr/>
+        <p:nvPr/>
+      </p:nvGrpSpPr>
+      <p:grpSpPr>
+        <a:xfrm>
+          <a:off x="0" y="0"/>
+          <a:ext cx="0" cy="0"/>
+          <a:chOff x="0" y="0"/>
+          <a:chExt cx="0" cy="0"/>
+        </a:xfrm>
+      </p:grpSpPr>
+      <p:pic>
+        <p:nvPicPr>
+          <p:cNvPr id="3" name="Picture 2"/>
+          <p:cNvPicPr>
+            <a:picLocks noChangeAspect="1"/>
+          </p:cNvPicPr>
+          <p:nvPr/>
+        </p:nvPicPr>
+        <p:blipFill>
+          <a:blip r:embed="rId2"/>
+          <a:stretch>
+            <a:fillRect/>
+          </a:stretch>
+        </p:blipFill>
+        <p:spPr>
+          <a:xfrm>
+            <a:off x="6642418" y="1942105"/>
+            <a:ext cx="4391638" cy="2457793"/>
+          </a:xfrm>
+          <a:prstGeom prst="rect">
+            <a:avLst/>
+          </a:prstGeom>
+        </p:spPr>
+      </p:pic>
+      <p:pic>
+        <p:nvPicPr>
+          <p:cNvPr id="4" name="Picture 3"/>
+          <p:cNvPicPr>
+            <a:picLocks noChangeAspect="1"/>
+          </p:cNvPicPr>
+          <p:nvPr/>
+        </p:nvPicPr>
+        <p:blipFill>
+          <a:blip r:embed="rId3"/>
+          <a:stretch>
+            <a:fillRect/>
+          </a:stretch>
+        </p:blipFill>
+        <p:spPr>
+          <a:xfrm>
+            <a:off x="945212" y="1678496"/>
+            <a:ext cx="5377463" cy="4283392"/>
+          </a:xfrm>
+          <a:prstGeom prst="rect">
+            <a:avLst/>
+          </a:prstGeom>
+        </p:spPr>
+      </p:pic>
+      <p:sp>
+        <p:nvSpPr>
+          <p:cNvPr id="2" name="Title 1"/>
+          <p:cNvSpPr>
+            <a:spLocks noGrp="1"/>
+          </p:cNvSpPr>
+          <p:nvPr>
+            <p:ph type="title"/>
+          </p:nvPr>
+        </p:nvSpPr>
+        <p:spPr/>
+        <p:txBody>
+          <a:bodyPr/>
+          <a:lstStyle/>
+          <a:p>
+            <a:r>
+              <a:rPr lang="en-US" dirty="0"/>
+              <a:t>C++ Code Sample – </a:t>
+            </a:r>
+            <a:r>
+              <a:rPr lang="en-US" dirty="0" smtClean="0"/>
+              <a:t>Go Back to Step </a:t>
+            </a:r>
+            <a:r>
+              <a:rPr lang="en-US" dirty="0"/>
+              <a:t>2</a:t>
+            </a:r>
+          </a:p>
+        </p:txBody>
+      </p:sp>
+      <p:cxnSp>
+        <p:nvCxnSpPr>
+          <p:cNvPr id="15" name="Straight Arrow Connector 14"/>
+          <p:cNvCxnSpPr/>
+          <p:nvPr/>
+        </p:nvCxnSpPr>
+        <p:spPr>
+          <a:xfrm>
+            <a:off x="451339" y="4459646"/>
+            <a:ext cx="644769" cy="0"/>
+          </a:xfrm>
+          <a:prstGeom prst="straightConnector1">
+            <a:avLst/>
+          </a:prstGeom>
+          <a:ln>
+            <a:tailEnd type="triangle"/>
+          </a:ln>
+        </p:spPr>
+        <p:style>
+          <a:lnRef idx="1">
+            <a:schemeClr val="accent1"/>
+          </a:lnRef>
+          <a:fillRef idx="0">
+            <a:schemeClr val="accent1"/>
+          </a:fillRef>
+          <a:effectRef idx="0">
+            <a:schemeClr val="accent1"/>
+          </a:effectRef>
+          <a:fontRef idx="minor">
+            <a:schemeClr val="tx1"/>
+          </a:fontRef>
+        </p:style>
+      </p:cxnSp>
+      <p:cxnSp>
+        <p:nvCxnSpPr>
+          <p:cNvPr id="18" name="Straight Connector 17"/>
+          <p:cNvCxnSpPr/>
+          <p:nvPr/>
+        </p:nvCxnSpPr>
+        <p:spPr>
+          <a:xfrm>
+            <a:off x="1195754" y="3423125"/>
+            <a:ext cx="0" cy="1953547"/>
+          </a:xfrm>
+          <a:prstGeom prst="line">
+            <a:avLst/>
+          </a:prstGeom>
+        </p:spPr>
+        <p:style>
+          <a:lnRef idx="1">
+            <a:schemeClr val="accent1"/>
+          </a:lnRef>
+          <a:fillRef idx="0">
+            <a:schemeClr val="accent1"/>
+          </a:fillRef>
+          <a:effectRef idx="0">
+            <a:schemeClr val="accent1"/>
+          </a:effectRef>
+          <a:fontRef idx="minor">
+            <a:schemeClr val="tx1"/>
+          </a:fontRef>
+        </p:style>
+      </p:cxnSp>
+      <p:cxnSp>
+        <p:nvCxnSpPr>
+          <p:cNvPr id="21" name="Straight Arrow Connector 20"/>
+          <p:cNvCxnSpPr/>
+          <p:nvPr/>
+        </p:nvCxnSpPr>
+        <p:spPr>
+          <a:xfrm flipH="1">
+            <a:off x="4846085" y="3816276"/>
+            <a:ext cx="1659841" cy="10861"/>
+          </a:xfrm>
+          <a:prstGeom prst="straightConnector1">
+            <a:avLst/>
+          </a:prstGeom>
+          <a:ln>
+            <a:tailEnd type="triangle"/>
+          </a:ln>
+        </p:spPr>
+        <p:style>
+          <a:lnRef idx="1">
+            <a:schemeClr val="accent1"/>
+          </a:lnRef>
+          <a:fillRef idx="0">
+            <a:schemeClr val="accent1"/>
+          </a:fillRef>
+          <a:effectRef idx="0">
+            <a:schemeClr val="accent1"/>
+          </a:effectRef>
+          <a:fontRef idx="minor">
+            <a:schemeClr val="tx1"/>
+          </a:fontRef>
+        </p:style>
+      </p:cxnSp>
+      <p:sp>
+        <p:nvSpPr>
+          <p:cNvPr id="10" name="Oval 9"/>
+          <p:cNvSpPr/>
+          <p:nvPr/>
+        </p:nvSpPr>
+        <p:spPr>
+          <a:xfrm>
+            <a:off x="6901318" y="2974718"/>
+            <a:ext cx="603227" cy="548640"/>
+          </a:xfrm>
+          <a:prstGeom prst="ellipse">
+            <a:avLst/>
+          </a:prstGeom>
+          <a:noFill/>
+        </p:spPr>
+        <p:style>
+          <a:lnRef idx="2">
+            <a:schemeClr val="accent6"/>
+          </a:lnRef>
+          <a:fillRef idx="1">
+            <a:schemeClr val="lt1"/>
+          </a:fillRef>
+          <a:effectRef idx="0">
+            <a:schemeClr val="accent6"/>
+          </a:effectRef>
+          <a:fontRef idx="minor">
+            <a:schemeClr val="dk1"/>
+          </a:fontRef>
+        </p:style>
+        <p:txBody>
+          <a:bodyPr rtlCol="0" anchor="ctr"/>
+          <a:lstStyle/>
+          <a:p>
+            <a:pPr algn="ctr"/>
+            <a:endParaRPr lang="en-US"/>
+          </a:p>
+        </p:txBody>
+      </p:sp>
+      <p:sp>
+        <p:nvSpPr>
+          <p:cNvPr id="13" name="Oval 12"/>
+          <p:cNvSpPr/>
+          <p:nvPr/>
+        </p:nvSpPr>
+        <p:spPr>
+          <a:xfrm>
+            <a:off x="7598467" y="2312294"/>
+            <a:ext cx="603227" cy="548640"/>
+          </a:xfrm>
+          <a:prstGeom prst="ellipse">
+            <a:avLst/>
+          </a:prstGeom>
+          <a:noFill/>
+        </p:spPr>
+        <p:style>
+          <a:lnRef idx="2">
+            <a:schemeClr val="accent6"/>
+          </a:lnRef>
+          <a:fillRef idx="1">
+            <a:schemeClr val="lt1"/>
+          </a:fillRef>
+          <a:effectRef idx="0">
+            <a:schemeClr val="accent6"/>
+          </a:effectRef>
+          <a:fontRef idx="minor">
+            <a:schemeClr val="dk1"/>
+          </a:fontRef>
+        </p:style>
+        <p:txBody>
+          <a:bodyPr rtlCol="0" anchor="ctr"/>
+          <a:lstStyle/>
+          <a:p>
+            <a:pPr algn="ctr"/>
+            <a:endParaRPr lang="en-US"/>
+          </a:p>
+        </p:txBody>
+      </p:sp>
+    </p:spTree>
+    <p:extLst>
+      <p:ext uri="{BB962C8B-B14F-4D97-AF65-F5344CB8AC3E}">
+        <p14:creationId xmlns:p14="http://schemas.microsoft.com/office/powerpoint/2010/main" val="2074587072"/>
+      </p:ext>
+    </p:extLst>
+  </p:cSld>
+  <p:clrMapOvr>
+    <a:masterClrMapping/>
+  </p:clrMapOvr>
+  <p:timing>
+    <p:tnLst>
+      <p:par>
+        <p:cTn id="1" dur="indefinite" restart="never" nodeType="tmRoot"/>
+      </p:par>
+    </p:tnLst>
+  </p:timing>
+</p:sld>
+</file>
+
+<file path=ppt/slides/slide22.xml><?xml version="1.0" encoding="utf-8"?>
+<p:sld xmlns:a="http://schemas.openxmlformats.org/drawingml/2006/main" xmlns:r="http://schemas.openxmlformats.org/officeDocument/2006/relationships" xmlns:p="http://schemas.openxmlformats.org/presentationml/2006/main">
+  <p:cSld>
+    <p:spTree>
+      <p:nvGrpSpPr>
+        <p:cNvPr id="1" name=""/>
+        <p:cNvGrpSpPr/>
+        <p:nvPr/>
+      </p:nvGrpSpPr>
+      <p:grpSpPr>
+        <a:xfrm>
+          <a:off x="0" y="0"/>
+          <a:ext cx="0" cy="0"/>
+          <a:chOff x="0" y="0"/>
+          <a:chExt cx="0" cy="0"/>
+        </a:xfrm>
+      </p:grpSpPr>
+      <p:sp>
+        <p:nvSpPr>
+          <p:cNvPr id="2" name="Title 1"/>
+          <p:cNvSpPr>
+            <a:spLocks noGrp="1"/>
+          </p:cNvSpPr>
+          <p:nvPr>
+            <p:ph type="title"/>
+          </p:nvPr>
+        </p:nvSpPr>
+        <p:spPr/>
+        <p:txBody>
+          <a:bodyPr/>
+          <a:lstStyle/>
+          <a:p>
+            <a:r>
+              <a:rPr lang="en-US" dirty="0"/>
+              <a:t>C++ Code Sample – </a:t>
+            </a:r>
+            <a:r>
+              <a:rPr lang="en-US" dirty="0" smtClean="0"/>
+              <a:t>Step 4 Print Solution</a:t>
+            </a:r>
+            <a:endParaRPr lang="en-US" dirty="0"/>
+          </a:p>
+        </p:txBody>
+      </p:sp>
+      <p:pic>
+        <p:nvPicPr>
+          <p:cNvPr id="9" name="Picture 8"/>
+          <p:cNvPicPr>
+            <a:picLocks noChangeAspect="1"/>
+          </p:cNvPicPr>
+          <p:nvPr/>
+        </p:nvPicPr>
+        <p:blipFill>
+          <a:blip r:embed="rId2"/>
+          <a:stretch>
+            <a:fillRect/>
+          </a:stretch>
+        </p:blipFill>
+        <p:spPr>
+          <a:xfrm>
+            <a:off x="8424038" y="1640250"/>
+            <a:ext cx="2291762" cy="2080540"/>
+          </a:xfrm>
+          <a:prstGeom prst="rect">
+            <a:avLst/>
+          </a:prstGeom>
+        </p:spPr>
+      </p:pic>
+      <p:pic>
+        <p:nvPicPr>
+          <p:cNvPr id="1028" name="Picture 4" descr="http://d1gjlxt8vb0knt.cloudfront.net//wp-content/uploads/DIJ5.jpg"/>
+          <p:cNvPicPr>
+            <a:picLocks noChangeAspect="1" noChangeArrowheads="1"/>
+          </p:cNvPicPr>
+          <p:nvPr/>
+        </p:nvPicPr>
+        <p:blipFill>
+          <a:blip r:embed="rId3">
+            <a:extLst>
+              <a:ext uri="{28A0092B-C50C-407E-A947-70E740481C1C}">
+                <a14:useLocalDpi xmlns:a14="http://schemas.microsoft.com/office/drawing/2010/main" val="0"/>
+              </a:ext>
+            </a:extLst>
+          </a:blip>
+          <a:srcRect/>
+          <a:stretch>
+            <a:fillRect/>
+          </a:stretch>
+        </p:blipFill>
+        <p:spPr bwMode="auto">
+          <a:xfrm>
+            <a:off x="8696413" y="4672986"/>
+            <a:ext cx="2746956" cy="1468565"/>
+          </a:xfrm>
+          <a:prstGeom prst="rect">
+            <a:avLst/>
+          </a:prstGeom>
+          <a:noFill/>
+          <a:extLst>
+            <a:ext uri="{909E8E84-426E-40DD-AFC4-6F175D3DCCD1}">
+              <a14:hiddenFill xmlns:a14="http://schemas.microsoft.com/office/drawing/2010/main">
+                <a:solidFill>
+                  <a:srgbClr val="FFFFFF"/>
+                </a:solidFill>
+              </a14:hiddenFill>
+            </a:ext>
+          </a:extLst>
+        </p:spPr>
+      </p:pic>
+      <p:pic>
+        <p:nvPicPr>
+          <p:cNvPr id="1030" name="Picture 6" descr="http://d1gjlxt8vb0knt.cloudfront.net//wp-content/uploads/Fig-11.jpg"/>
+          <p:cNvPicPr>
+            <a:picLocks noChangeAspect="1" noChangeArrowheads="1"/>
+          </p:cNvPicPr>
+          <p:nvPr/>
+        </p:nvPicPr>
+        <p:blipFill>
+          <a:blip r:embed="rId4" cstate="print">
+            <a:extLst>
+              <a:ext uri="{28A0092B-C50C-407E-A947-70E740481C1C}">
+                <a14:useLocalDpi xmlns:a14="http://schemas.microsoft.com/office/drawing/2010/main" val="0"/>
+              </a:ext>
+            </a:extLst>
+          </a:blip>
+          <a:srcRect/>
+          <a:stretch>
+            <a:fillRect/>
+          </a:stretch>
+        </p:blipFill>
+        <p:spPr bwMode="auto">
+          <a:xfrm>
+            <a:off x="5585245" y="4817576"/>
+            <a:ext cx="2838793" cy="1323975"/>
+          </a:xfrm>
+          <a:prstGeom prst="rect">
+            <a:avLst/>
+          </a:prstGeom>
+          <a:noFill/>
+          <a:extLst>
+            <a:ext uri="{909E8E84-426E-40DD-AFC4-6F175D3DCCD1}">
+              <a14:hiddenFill xmlns:a14="http://schemas.microsoft.com/office/drawing/2010/main">
+                <a:solidFill>
+                  <a:srgbClr val="FFFFFF"/>
+                </a:solidFill>
+              </a14:hiddenFill>
+            </a:ext>
+          </a:extLst>
+        </p:spPr>
+      </p:pic>
+      <p:sp>
+        <p:nvSpPr>
+          <p:cNvPr id="17" name="Rectangle 16"/>
+          <p:cNvSpPr/>
+          <p:nvPr/>
+        </p:nvSpPr>
+        <p:spPr>
+          <a:xfrm>
+            <a:off x="6266317" y="4310388"/>
+            <a:ext cx="1338893" cy="369332"/>
+          </a:xfrm>
+          <a:prstGeom prst="rect">
+            <a:avLst/>
+          </a:prstGeom>
+        </p:spPr>
+        <p:txBody>
+          <a:bodyPr wrap="none">
+            <a:spAutoFit/>
+          </a:bodyPr>
+          <a:lstStyle/>
+          <a:p>
+            <a:r>
+              <a:rPr lang="en-US" dirty="0" smtClean="0">
+                <a:solidFill>
+                  <a:schemeClr val="tx1">
+                    <a:lumMod val="50000"/>
+                    <a:lumOff val="50000"/>
+                  </a:schemeClr>
+                </a:solidFill>
+              </a:rPr>
+              <a:t>Initial Graph</a:t>
+            </a:r>
+            <a:endParaRPr lang="en-US" dirty="0">
+              <a:solidFill>
+                <a:schemeClr val="tx1">
+                  <a:lumMod val="50000"/>
+                  <a:lumOff val="50000"/>
+                </a:schemeClr>
+              </a:solidFill>
+            </a:endParaRPr>
+          </a:p>
+        </p:txBody>
+      </p:sp>
+      <p:sp>
+        <p:nvSpPr>
+          <p:cNvPr id="19" name="Rectangle 18"/>
+          <p:cNvSpPr/>
+          <p:nvPr/>
+        </p:nvSpPr>
+        <p:spPr>
+          <a:xfrm>
+            <a:off x="9183906" y="4179900"/>
+            <a:ext cx="1913473" cy="369332"/>
+          </a:xfrm>
+          <a:prstGeom prst="rect">
+            <a:avLst/>
+          </a:prstGeom>
+        </p:spPr>
+        <p:txBody>
+          <a:bodyPr wrap="none">
+            <a:spAutoFit/>
+          </a:bodyPr>
+          <a:lstStyle/>
+          <a:p>
+            <a:r>
+              <a:rPr lang="en-US" dirty="0" smtClean="0">
+                <a:solidFill>
+                  <a:schemeClr val="tx1">
+                    <a:lumMod val="50000"/>
+                    <a:lumOff val="50000"/>
+                  </a:schemeClr>
+                </a:solidFill>
+              </a:rPr>
+              <a:t>Shortest </a:t>
+            </a:r>
+            <a:r>
+              <a:rPr lang="en-US" dirty="0" smtClean="0">
+                <a:solidFill>
+                  <a:schemeClr val="tx1">
+                    <a:lumMod val="50000"/>
+                    <a:lumOff val="50000"/>
+                  </a:schemeClr>
+                </a:solidFill>
+              </a:rPr>
+              <a:t>Distances</a:t>
+            </a:r>
+            <a:endParaRPr lang="en-US" dirty="0">
+              <a:solidFill>
+                <a:schemeClr val="tx1">
+                  <a:lumMod val="50000"/>
+                  <a:lumOff val="50000"/>
+                </a:schemeClr>
+              </a:solidFill>
+            </a:endParaRPr>
+          </a:p>
+        </p:txBody>
+      </p:sp>
+      <p:sp>
+        <p:nvSpPr>
+          <p:cNvPr id="20" name="Rectangle 19"/>
+          <p:cNvSpPr/>
+          <p:nvPr/>
+        </p:nvSpPr>
+        <p:spPr>
+          <a:xfrm>
+            <a:off x="130425" y="1533665"/>
+            <a:ext cx="5920179" cy="3139321"/>
+          </a:xfrm>
+          <a:prstGeom prst="rect">
+            <a:avLst/>
+          </a:prstGeom>
+        </p:spPr>
+        <p:txBody>
+          <a:bodyPr wrap="square">
+            <a:spAutoFit/>
+          </a:bodyPr>
+          <a:lstStyle/>
+          <a:p>
+            <a:r>
+              <a:rPr lang="en-US" dirty="0" smtClean="0">
+                <a:solidFill>
+                  <a:schemeClr val="tx1">
+                    <a:lumMod val="50000"/>
+                    <a:lumOff val="50000"/>
+                  </a:schemeClr>
+                </a:solidFill>
+              </a:rPr>
+              <a:t>1) The </a:t>
+            </a:r>
+            <a:r>
+              <a:rPr lang="en-US" dirty="0">
+                <a:solidFill>
+                  <a:schemeClr val="tx1">
+                    <a:lumMod val="50000"/>
+                    <a:lumOff val="50000"/>
+                  </a:schemeClr>
+                </a:solidFill>
+              </a:rPr>
+              <a:t>code calculates shortest distance, but doesn’t calculate the path information. We can create a parent array, update the parent array when distance is </a:t>
+            </a:r>
+            <a:r>
+              <a:rPr lang="en-US" dirty="0" smtClean="0">
+                <a:solidFill>
+                  <a:schemeClr val="tx1">
+                    <a:lumMod val="50000"/>
+                    <a:lumOff val="50000"/>
+                  </a:schemeClr>
+                </a:solidFill>
+              </a:rPr>
+              <a:t>updated.</a:t>
+            </a:r>
+          </a:p>
+          <a:p>
+            <a:pPr marL="342900" indent="-342900">
+              <a:buAutoNum type="arabicParenR"/>
+            </a:pPr>
+            <a:endParaRPr lang="en-US" dirty="0">
+              <a:solidFill>
+                <a:schemeClr val="tx1">
+                  <a:lumMod val="50000"/>
+                  <a:lumOff val="50000"/>
+                </a:schemeClr>
+              </a:solidFill>
+            </a:endParaRPr>
+          </a:p>
+          <a:p>
+            <a:r>
+              <a:rPr lang="en-US" dirty="0">
+                <a:solidFill>
+                  <a:schemeClr val="tx1">
+                    <a:lumMod val="50000"/>
+                    <a:lumOff val="50000"/>
+                  </a:schemeClr>
+                </a:solidFill>
+              </a:rPr>
+              <a:t>2) The code is for undirected graph, same </a:t>
+            </a:r>
+            <a:r>
+              <a:rPr lang="en-US" dirty="0" err="1">
+                <a:solidFill>
+                  <a:schemeClr val="tx1">
+                    <a:lumMod val="50000"/>
+                    <a:lumOff val="50000"/>
+                  </a:schemeClr>
+                </a:solidFill>
+              </a:rPr>
+              <a:t>dijekstra</a:t>
+            </a:r>
+            <a:r>
+              <a:rPr lang="en-US" dirty="0">
+                <a:solidFill>
+                  <a:schemeClr val="tx1">
+                    <a:lumMod val="50000"/>
+                    <a:lumOff val="50000"/>
+                  </a:schemeClr>
+                </a:solidFill>
+              </a:rPr>
+              <a:t> function can be used for directed graphs also.</a:t>
+            </a:r>
+          </a:p>
+          <a:p>
+            <a:endParaRPr lang="en-US" dirty="0">
+              <a:solidFill>
+                <a:schemeClr val="tx1">
+                  <a:lumMod val="50000"/>
+                  <a:lumOff val="50000"/>
+                </a:schemeClr>
+              </a:solidFill>
+            </a:endParaRPr>
+          </a:p>
+          <a:p>
+            <a:r>
+              <a:rPr lang="en-US" dirty="0">
+                <a:solidFill>
+                  <a:schemeClr val="tx1">
+                    <a:lumMod val="50000"/>
+                    <a:lumOff val="50000"/>
+                  </a:schemeClr>
+                </a:solidFill>
+              </a:rPr>
+              <a:t>3) The code finds shortest distances from source to all vertices. If we are interested only in shortest distance from source to a single target, we can break the for loop when the picked minimum distance vertex is equal to target</a:t>
+            </a:r>
+          </a:p>
+        </p:txBody>
+      </p:sp>
+    </p:spTree>
+    <p:extLst>
+      <p:ext uri="{BB962C8B-B14F-4D97-AF65-F5344CB8AC3E}">
+        <p14:creationId xmlns:p14="http://schemas.microsoft.com/office/powerpoint/2010/main" val="637638278"/>
       </p:ext>
     </p:extLst>
   </p:cSld>
@@ -6998,15 +10448,7 @@
           <a:p>
             <a:r>
               <a:rPr lang="en-US" dirty="0" smtClean="0"/>
-              <a:t>Node “0” is connected to node “1” and “7”, but not to any other node (2,8,7 etc</a:t>
-            </a:r>
-            <a:r>
-              <a:rPr lang="en-US" dirty="0" smtClean="0"/>
-              <a:t>..</a:t>
-            </a:r>
-            <a:r>
-              <a:rPr lang="en-US" dirty="0" smtClean="0"/>
-              <a:t>)</a:t>
+              <a:t>Node “0” is connected to node “1” and “7”, but not to any other node (2,8,7 etc..)</a:t>
             </a:r>
             <a:endParaRPr lang="en-US" dirty="0"/>
           </a:p>
@@ -7761,14 +11203,6 @@
               </a:rPr>
               <a:t>Initialize all distances as infinity </a:t>
             </a:r>
-            <a:endParaRPr lang="en-US" dirty="0">
-              <a:solidFill>
-                <a:schemeClr val="tx1">
-                  <a:lumMod val="50000"/>
-                  <a:lumOff val="50000"/>
-                </a:schemeClr>
-              </a:solidFill>
-            </a:endParaRPr>
           </a:p>
         </p:txBody>
       </p:sp>
@@ -7900,14 +11334,6 @@
               </a:rPr>
               <a:t>Initialize source node with 0</a:t>
             </a:r>
-            <a:endParaRPr lang="en-US" dirty="0">
-              <a:solidFill>
-                <a:schemeClr val="tx1">
-                  <a:lumMod val="50000"/>
-                  <a:lumOff val="50000"/>
-                </a:schemeClr>
-              </a:solidFill>
-            </a:endParaRPr>
           </a:p>
         </p:txBody>
       </p:sp>
